--- a/documents/AccademicMeating/draft/ 図形.pptx
+++ b/documents/AccademicMeating/draft/ 図形.pptx
@@ -8,6 +8,7 @@
     <p:sldId id="256" r:id="rId2"/>
     <p:sldId id="257" r:id="rId3"/>
     <p:sldId id="258" r:id="rId4"/>
+    <p:sldId id="259" r:id="rId5"/>
   </p:sldIdLst>
   <p:sldSz cx="9144000" cy="6858000" type="screen4x3"/>
   <p:notesSz cx="6858000" cy="9144000"/>
@@ -290,7 +291,7 @@
           <a:p>
             <a:fld id="{7A7E630B-B569-6947-8884-49FD9E3244B6}" type="datetimeFigureOut">
               <a:rPr kumimoji="1" lang="ja-JP" altLang="en-US" smtClean="0"/>
-              <a:t>2013/12/19</a:t>
+              <a:t>2013/12/20</a:t>
             </a:fld>
             <a:endParaRPr kumimoji="1" lang="ja-JP" altLang="en-US"/>
           </a:p>
@@ -492,7 +493,7 @@
           <a:p>
             <a:fld id="{7A7E630B-B569-6947-8884-49FD9E3244B6}" type="datetimeFigureOut">
               <a:rPr kumimoji="1" lang="ja-JP" altLang="en-US" smtClean="0"/>
-              <a:t>2013/12/19</a:t>
+              <a:t>2013/12/20</a:t>
             </a:fld>
             <a:endParaRPr kumimoji="1" lang="ja-JP" altLang="en-US"/>
           </a:p>
@@ -704,7 +705,7 @@
           <a:p>
             <a:fld id="{7A7E630B-B569-6947-8884-49FD9E3244B6}" type="datetimeFigureOut">
               <a:rPr kumimoji="1" lang="ja-JP" altLang="en-US" smtClean="0"/>
-              <a:t>2013/12/19</a:t>
+              <a:t>2013/12/20</a:t>
             </a:fld>
             <a:endParaRPr kumimoji="1" lang="ja-JP" altLang="en-US"/>
           </a:p>
@@ -906,7 +907,7 @@
           <a:p>
             <a:fld id="{7A7E630B-B569-6947-8884-49FD9E3244B6}" type="datetimeFigureOut">
               <a:rPr kumimoji="1" lang="ja-JP" altLang="en-US" smtClean="0"/>
-              <a:t>2013/12/19</a:t>
+              <a:t>2013/12/20</a:t>
             </a:fld>
             <a:endParaRPr kumimoji="1" lang="ja-JP" altLang="en-US"/>
           </a:p>
@@ -1152,7 +1153,7 @@
           <a:p>
             <a:fld id="{7A7E630B-B569-6947-8884-49FD9E3244B6}" type="datetimeFigureOut">
               <a:rPr kumimoji="1" lang="ja-JP" altLang="en-US" smtClean="0"/>
-              <a:t>2013/12/19</a:t>
+              <a:t>2013/12/20</a:t>
             </a:fld>
             <a:endParaRPr kumimoji="1" lang="ja-JP" altLang="en-US"/>
           </a:p>
@@ -1504,7 +1505,7 @@
           <a:p>
             <a:fld id="{7A7E630B-B569-6947-8884-49FD9E3244B6}" type="datetimeFigureOut">
               <a:rPr kumimoji="1" lang="ja-JP" altLang="en-US" smtClean="0"/>
-              <a:t>2013/12/19</a:t>
+              <a:t>2013/12/20</a:t>
             </a:fld>
             <a:endParaRPr kumimoji="1" lang="ja-JP" altLang="en-US"/>
           </a:p>
@@ -1990,7 +1991,7 @@
           <a:p>
             <a:fld id="{7A7E630B-B569-6947-8884-49FD9E3244B6}" type="datetimeFigureOut">
               <a:rPr kumimoji="1" lang="ja-JP" altLang="en-US" smtClean="0"/>
-              <a:t>2013/12/19</a:t>
+              <a:t>2013/12/20</a:t>
             </a:fld>
             <a:endParaRPr kumimoji="1" lang="ja-JP" altLang="en-US"/>
           </a:p>
@@ -2108,7 +2109,7 @@
           <a:p>
             <a:fld id="{7A7E630B-B569-6947-8884-49FD9E3244B6}" type="datetimeFigureOut">
               <a:rPr kumimoji="1" lang="ja-JP" altLang="en-US" smtClean="0"/>
-              <a:t>2013/12/19</a:t>
+              <a:t>2013/12/20</a:t>
             </a:fld>
             <a:endParaRPr kumimoji="1" lang="ja-JP" altLang="en-US"/>
           </a:p>
@@ -2203,7 +2204,7 @@
           <a:p>
             <a:fld id="{7A7E630B-B569-6947-8884-49FD9E3244B6}" type="datetimeFigureOut">
               <a:rPr kumimoji="1" lang="ja-JP" altLang="en-US" smtClean="0"/>
-              <a:t>2013/12/19</a:t>
+              <a:t>2013/12/20</a:t>
             </a:fld>
             <a:endParaRPr kumimoji="1" lang="ja-JP" altLang="en-US"/>
           </a:p>
@@ -2512,7 +2513,7 @@
           <a:p>
             <a:fld id="{7A7E630B-B569-6947-8884-49FD9E3244B6}" type="datetimeFigureOut">
               <a:rPr kumimoji="1" lang="ja-JP" altLang="en-US" smtClean="0"/>
-              <a:t>2013/12/19</a:t>
+              <a:t>2013/12/20</a:t>
             </a:fld>
             <a:endParaRPr kumimoji="1" lang="ja-JP" altLang="en-US"/>
           </a:p>
@@ -2765,7 +2766,7 @@
           <a:p>
             <a:fld id="{7A7E630B-B569-6947-8884-49FD9E3244B6}" type="datetimeFigureOut">
               <a:rPr kumimoji="1" lang="ja-JP" altLang="en-US" smtClean="0"/>
-              <a:t>2013/12/19</a:t>
+              <a:t>2013/12/20</a:t>
             </a:fld>
             <a:endParaRPr kumimoji="1" lang="ja-JP" altLang="en-US"/>
           </a:p>
@@ -3010,7 +3011,7 @@
           <a:p>
             <a:fld id="{7A7E630B-B569-6947-8884-49FD9E3244B6}" type="datetimeFigureOut">
               <a:rPr kumimoji="1" lang="ja-JP" altLang="en-US" smtClean="0"/>
-              <a:t>2013/12/19</a:t>
+              <a:t>2013/12/20</a:t>
             </a:fld>
             <a:endParaRPr kumimoji="1" lang="ja-JP" altLang="en-US"/>
           </a:p>
@@ -7006,11 +7007,7 @@
               </a:r>
               <a:r>
                 <a:rPr lang="ja-JP" altLang="en-US" sz="1400" dirty="0" smtClean="0"/>
-                <a:t>誤り</a:t>
-              </a:r>
-              <a:r>
-                <a:rPr lang="ja-JP" altLang="en-US" sz="1400" dirty="0" smtClean="0"/>
-                <a:t>率</a:t>
+                <a:t>誤り率</a:t>
               </a:r>
               <a:endParaRPr lang="en-US" altLang="ja-JP" sz="1400" dirty="0" smtClean="0"/>
             </a:p>
@@ -7147,7 +7144,6 @@
                 <a:rPr kumimoji="1" lang="en-US" altLang="ja-JP" sz="1400" dirty="0" smtClean="0"/>
                 <a:t>SSIM</a:t>
               </a:r>
-              <a:endParaRPr kumimoji="1" lang="en-US" altLang="ja-JP" sz="1400" dirty="0" smtClean="0"/>
             </a:p>
             <a:p>
               <a:pPr algn="ctr"/>
@@ -7886,6 +7882,792 @@
 </p:sld>
 </file>
 
+<file path=ppt/slides/slide4.xml><?xml version="1.0" encoding="utf-8"?>
+<p:sld xmlns:a="http://schemas.openxmlformats.org/drawingml/2006/main" xmlns:r="http://schemas.openxmlformats.org/officeDocument/2006/relationships" xmlns:p="http://schemas.openxmlformats.org/presentationml/2006/main">
+  <p:cSld>
+    <p:spTree>
+      <p:nvGrpSpPr>
+        <p:cNvPr id="1" name=""/>
+        <p:cNvGrpSpPr/>
+        <p:nvPr/>
+      </p:nvGrpSpPr>
+      <p:grpSpPr>
+        <a:xfrm>
+          <a:off x="0" y="0"/>
+          <a:ext cx="0" cy="0"/>
+          <a:chOff x="0" y="0"/>
+          <a:chExt cx="0" cy="0"/>
+        </a:xfrm>
+      </p:grpSpPr>
+      <p:cxnSp>
+        <p:nvCxnSpPr>
+          <p:cNvPr id="20" name="直線矢印コネクタ 19"/>
+          <p:cNvCxnSpPr/>
+          <p:nvPr/>
+        </p:nvCxnSpPr>
+        <p:spPr>
+          <a:xfrm flipV="1">
+            <a:off x="9938327" y="3895806"/>
+            <a:ext cx="1421261" cy="1575624"/>
+          </a:xfrm>
+          <a:prstGeom prst="straightConnector1">
+            <a:avLst/>
+          </a:prstGeom>
+          <a:ln>
+            <a:solidFill>
+              <a:schemeClr val="tx1"/>
+            </a:solidFill>
+            <a:tailEnd type="arrow"/>
+          </a:ln>
+        </p:spPr>
+        <p:style>
+          <a:lnRef idx="2">
+            <a:schemeClr val="accent1"/>
+          </a:lnRef>
+          <a:fillRef idx="0">
+            <a:schemeClr val="accent1"/>
+          </a:fillRef>
+          <a:effectRef idx="1">
+            <a:schemeClr val="accent1"/>
+          </a:effectRef>
+          <a:fontRef idx="minor">
+            <a:schemeClr val="tx1"/>
+          </a:fontRef>
+        </p:style>
+      </p:cxnSp>
+      <p:cxnSp>
+        <p:nvCxnSpPr>
+          <p:cNvPr id="22" name="直線矢印コネクタ 21"/>
+          <p:cNvCxnSpPr/>
+          <p:nvPr/>
+        </p:nvCxnSpPr>
+        <p:spPr>
+          <a:xfrm flipV="1">
+            <a:off x="9938327" y="5451765"/>
+            <a:ext cx="1409609" cy="19665"/>
+          </a:xfrm>
+          <a:prstGeom prst="straightConnector1">
+            <a:avLst/>
+          </a:prstGeom>
+          <a:ln>
+            <a:solidFill>
+              <a:schemeClr val="tx1"/>
+            </a:solidFill>
+            <a:tailEnd type="arrow"/>
+          </a:ln>
+        </p:spPr>
+        <p:style>
+          <a:lnRef idx="2">
+            <a:schemeClr val="accent1"/>
+          </a:lnRef>
+          <a:fillRef idx="0">
+            <a:schemeClr val="accent1"/>
+          </a:fillRef>
+          <a:effectRef idx="1">
+            <a:schemeClr val="accent1"/>
+          </a:effectRef>
+          <a:fontRef idx="minor">
+            <a:schemeClr val="tx1"/>
+          </a:fontRef>
+        </p:style>
+      </p:cxnSp>
+      <p:cxnSp>
+        <p:nvCxnSpPr>
+          <p:cNvPr id="24" name="直線矢印コネクタ 23"/>
+          <p:cNvCxnSpPr/>
+          <p:nvPr/>
+        </p:nvCxnSpPr>
+        <p:spPr>
+          <a:xfrm>
+            <a:off x="9938327" y="5471430"/>
+            <a:ext cx="1421261" cy="1479991"/>
+          </a:xfrm>
+          <a:prstGeom prst="straightConnector1">
+            <a:avLst/>
+          </a:prstGeom>
+          <a:ln>
+            <a:solidFill>
+              <a:schemeClr val="tx1"/>
+            </a:solidFill>
+            <a:tailEnd type="arrow"/>
+          </a:ln>
+        </p:spPr>
+        <p:style>
+          <a:lnRef idx="2">
+            <a:schemeClr val="accent1"/>
+          </a:lnRef>
+          <a:fillRef idx="0">
+            <a:schemeClr val="accent1"/>
+          </a:fillRef>
+          <a:effectRef idx="1">
+            <a:schemeClr val="accent1"/>
+          </a:effectRef>
+          <a:fontRef idx="minor">
+            <a:schemeClr val="tx1"/>
+          </a:fontRef>
+        </p:style>
+      </p:cxnSp>
+      <p:sp>
+        <p:nvSpPr>
+          <p:cNvPr id="36" name="テキスト ボックス 35"/>
+          <p:cNvSpPr txBox="1"/>
+          <p:nvPr/>
+        </p:nvSpPr>
+        <p:spPr>
+          <a:xfrm>
+            <a:off x="7325229" y="1315921"/>
+            <a:ext cx="1853398" cy="923330"/>
+          </a:xfrm>
+          <a:prstGeom prst="rect">
+            <a:avLst/>
+          </a:prstGeom>
+          <a:noFill/>
+          <a:ln>
+            <a:noFill/>
+          </a:ln>
+        </p:spPr>
+        <p:txBody>
+          <a:bodyPr wrap="square" rtlCol="0">
+            <a:spAutoFit/>
+          </a:bodyPr>
+          <a:lstStyle/>
+          <a:p>
+            <a:pPr algn="ctr"/>
+            <a:r>
+              <a:rPr kumimoji="1" lang="ja-JP" altLang="en-US" dirty="0" smtClean="0"/>
+              <a:t>ラベリング処理</a:t>
+            </a:r>
+            <a:endParaRPr kumimoji="1" lang="en-US" altLang="ja-JP" dirty="0" smtClean="0"/>
+          </a:p>
+          <a:p>
+            <a:pPr algn="ctr"/>
+            <a:r>
+              <a:rPr lang="ja-JP" altLang="en-US" dirty="0" smtClean="0"/>
+              <a:t>＆</a:t>
+            </a:r>
+            <a:endParaRPr kumimoji="1" lang="en-US" altLang="ja-JP" dirty="0" smtClean="0"/>
+          </a:p>
+          <a:p>
+            <a:pPr algn="ctr"/>
+            <a:r>
+              <a:rPr lang="ja-JP" altLang="en-US" dirty="0" smtClean="0"/>
+              <a:t>面積計算</a:t>
+            </a:r>
+            <a:endParaRPr kumimoji="1" lang="ja-JP" altLang="en-US" dirty="0"/>
+          </a:p>
+        </p:txBody>
+      </p:sp>
+      <p:grpSp>
+        <p:nvGrpSpPr>
+          <p:cNvPr id="35" name="図形グループ 34"/>
+          <p:cNvGrpSpPr/>
+          <p:nvPr/>
+        </p:nvGrpSpPr>
+        <p:grpSpPr>
+          <a:xfrm>
+            <a:off x="372910" y="1617228"/>
+            <a:ext cx="7202555" cy="4161979"/>
+            <a:chOff x="372910" y="1617228"/>
+            <a:chExt cx="7202555" cy="4161979"/>
+          </a:xfrm>
+        </p:grpSpPr>
+        <p:pic>
+          <p:nvPicPr>
+            <p:cNvPr id="14" name="図 13" descr="LENNA.bmp"/>
+            <p:cNvPicPr>
+              <a:picLocks noChangeAspect="1"/>
+            </p:cNvPicPr>
+            <p:nvPr/>
+          </p:nvPicPr>
+          <p:blipFill>
+            <a:blip r:embed="rId2">
+              <a:extLst>
+                <a:ext uri="{28A0092B-C50C-407E-A947-70E740481C1C}">
+                  <a14:useLocalDpi xmlns:a14="http://schemas.microsoft.com/office/drawing/2010/main" val="0"/>
+                </a:ext>
+              </a:extLst>
+            </a:blip>
+            <a:stretch>
+              <a:fillRect/>
+            </a:stretch>
+          </p:blipFill>
+          <p:spPr>
+            <a:xfrm>
+              <a:off x="372910" y="3109108"/>
+              <a:ext cx="828689" cy="828689"/>
+            </a:xfrm>
+            <a:prstGeom prst="rect">
+              <a:avLst/>
+            </a:prstGeom>
+          </p:spPr>
+        </p:pic>
+        <p:grpSp>
+          <p:nvGrpSpPr>
+            <p:cNvPr id="31" name="図形グループ 30"/>
+            <p:cNvGrpSpPr/>
+            <p:nvPr/>
+          </p:nvGrpSpPr>
+          <p:grpSpPr>
+            <a:xfrm>
+              <a:off x="6021459" y="3014179"/>
+              <a:ext cx="1554006" cy="923618"/>
+              <a:chOff x="5519145" y="2985874"/>
+              <a:chExt cx="1789546" cy="923618"/>
+            </a:xfrm>
+          </p:grpSpPr>
+          <p:sp>
+            <p:nvSpPr>
+              <p:cNvPr id="29" name="円/楕円 28"/>
+              <p:cNvSpPr/>
+              <p:nvPr/>
+            </p:nvSpPr>
+            <p:spPr>
+              <a:xfrm>
+                <a:off x="5519145" y="2985874"/>
+                <a:ext cx="1789546" cy="923618"/>
+              </a:xfrm>
+              <a:prstGeom prst="ellipse">
+                <a:avLst/>
+              </a:prstGeom>
+              <a:noFill/>
+              <a:ln>
+                <a:solidFill>
+                  <a:srgbClr val="000000"/>
+                </a:solidFill>
+              </a:ln>
+              <a:effectLst/>
+            </p:spPr>
+            <p:style>
+              <a:lnRef idx="1">
+                <a:schemeClr val="accent1"/>
+              </a:lnRef>
+              <a:fillRef idx="3">
+                <a:schemeClr val="accent1"/>
+              </a:fillRef>
+              <a:effectRef idx="2">
+                <a:schemeClr val="accent1"/>
+              </a:effectRef>
+              <a:fontRef idx="minor">
+                <a:schemeClr val="lt1"/>
+              </a:fontRef>
+            </p:style>
+            <p:txBody>
+              <a:bodyPr rtlCol="0" anchor="ctr"/>
+              <a:lstStyle/>
+              <a:p>
+                <a:pPr algn="ctr"/>
+                <a:endParaRPr kumimoji="1" lang="ja-JP" altLang="en-US" dirty="0"/>
+              </a:p>
+            </p:txBody>
+          </p:sp>
+          <p:sp>
+            <p:nvSpPr>
+              <p:cNvPr id="30" name="テキスト ボックス 29"/>
+              <p:cNvSpPr txBox="1"/>
+              <p:nvPr/>
+            </p:nvSpPr>
+            <p:spPr>
+              <a:xfrm>
+                <a:off x="5802949" y="3265236"/>
+                <a:ext cx="1269999" cy="369332"/>
+              </a:xfrm>
+              <a:prstGeom prst="rect">
+                <a:avLst/>
+              </a:prstGeom>
+              <a:noFill/>
+            </p:spPr>
+            <p:txBody>
+              <a:bodyPr wrap="square" rtlCol="0">
+                <a:spAutoFit/>
+              </a:bodyPr>
+              <a:lstStyle/>
+              <a:p>
+                <a:r>
+                  <a:rPr lang="ja-JP" altLang="en-US" dirty="0" smtClean="0"/>
+                  <a:t>最大面積</a:t>
+                </a:r>
+                <a:endParaRPr kumimoji="1" lang="ja-JP" altLang="en-US" dirty="0"/>
+              </a:p>
+            </p:txBody>
+          </p:sp>
+        </p:grpSp>
+        <p:grpSp>
+          <p:nvGrpSpPr>
+            <p:cNvPr id="5" name="図形グループ 4"/>
+            <p:cNvGrpSpPr/>
+            <p:nvPr/>
+          </p:nvGrpSpPr>
+          <p:grpSpPr>
+            <a:xfrm>
+              <a:off x="2685295" y="1617228"/>
+              <a:ext cx="1584688" cy="4161979"/>
+              <a:chOff x="2109034" y="1530222"/>
+              <a:chExt cx="1584688" cy="4161979"/>
+            </a:xfrm>
+          </p:grpSpPr>
+          <p:pic>
+            <p:nvPicPr>
+              <p:cNvPr id="9" name="図 8" descr="14.bmp"/>
+              <p:cNvPicPr>
+                <a:picLocks noChangeAspect="1"/>
+              </p:cNvPicPr>
+              <p:nvPr/>
+            </p:nvPicPr>
+            <p:blipFill>
+              <a:blip r:embed="rId3">
+                <a:extLst>
+                  <a:ext uri="{28A0092B-C50C-407E-A947-70E740481C1C}">
+                    <a14:useLocalDpi xmlns:a14="http://schemas.microsoft.com/office/drawing/2010/main" val="0"/>
+                  </a:ext>
+                </a:extLst>
+              </a:blip>
+              <a:stretch>
+                <a:fillRect/>
+              </a:stretch>
+            </p:blipFill>
+            <p:spPr>
+              <a:xfrm>
+                <a:off x="2547635" y="3086181"/>
+                <a:ext cx="661202" cy="661202"/>
+              </a:xfrm>
+              <a:prstGeom prst="rect">
+                <a:avLst/>
+              </a:prstGeom>
+            </p:spPr>
+          </p:pic>
+          <p:sp>
+            <p:nvSpPr>
+              <p:cNvPr id="28" name="テキスト ボックス 27"/>
+              <p:cNvSpPr txBox="1"/>
+              <p:nvPr/>
+            </p:nvSpPr>
+            <p:spPr>
+              <a:xfrm rot="5400000">
+                <a:off x="2651525" y="4212255"/>
+                <a:ext cx="492443" cy="155867"/>
+              </a:xfrm>
+              <a:prstGeom prst="rect">
+                <a:avLst/>
+              </a:prstGeom>
+              <a:noFill/>
+              <a:ln>
+                <a:noFill/>
+              </a:ln>
+            </p:spPr>
+            <p:txBody>
+              <a:bodyPr vert="eaVert" wrap="square" rtlCol="0">
+                <a:spAutoFit/>
+              </a:bodyPr>
+              <a:lstStyle/>
+              <a:p>
+                <a:r>
+                  <a:rPr lang="en-US" altLang="ja-JP" sz="2000" dirty="0" smtClean="0"/>
+                  <a:t>…</a:t>
+                </a:r>
+                <a:endParaRPr kumimoji="1" lang="ja-JP" altLang="en-US" sz="2000" dirty="0"/>
+              </a:p>
+            </p:txBody>
+          </p:sp>
+          <p:sp>
+            <p:nvSpPr>
+              <p:cNvPr id="2" name="テキスト ボックス 1"/>
+              <p:cNvSpPr txBox="1"/>
+              <p:nvPr/>
+            </p:nvSpPr>
+            <p:spPr>
+              <a:xfrm>
+                <a:off x="2109034" y="3780089"/>
+                <a:ext cx="1573036" cy="307777"/>
+              </a:xfrm>
+              <a:prstGeom prst="rect">
+                <a:avLst/>
+              </a:prstGeom>
+              <a:noFill/>
+            </p:spPr>
+            <p:txBody>
+              <a:bodyPr wrap="square" rtlCol="0">
+                <a:spAutoFit/>
+              </a:bodyPr>
+              <a:lstStyle/>
+              <a:p>
+                <a:r>
+                  <a:rPr kumimoji="1" lang="ja-JP" altLang="en-US" sz="1400" dirty="0" smtClean="0"/>
+                  <a:t>画素値</a:t>
+                </a:r>
+                <a:r>
+                  <a:rPr kumimoji="1" lang="en-US" altLang="ja-JP" sz="1400" dirty="0" smtClean="0"/>
+                  <a:t>:112〜119</a:t>
+                </a:r>
+                <a:endParaRPr kumimoji="1" lang="ja-JP" altLang="en-US" sz="1400" dirty="0"/>
+              </a:p>
+            </p:txBody>
+          </p:sp>
+          <p:pic>
+            <p:nvPicPr>
+              <p:cNvPr id="3" name="図 2" descr="00.bmp"/>
+              <p:cNvPicPr>
+                <a:picLocks noChangeAspect="1"/>
+              </p:cNvPicPr>
+              <p:nvPr/>
+            </p:nvPicPr>
+            <p:blipFill>
+              <a:blip r:embed="rId4">
+                <a:extLst>
+                  <a:ext uri="{28A0092B-C50C-407E-A947-70E740481C1C}">
+                    <a14:useLocalDpi xmlns:a14="http://schemas.microsoft.com/office/drawing/2010/main" val="0"/>
+                  </a:ext>
+                </a:extLst>
+              </a:blip>
+              <a:stretch>
+                <a:fillRect/>
+              </a:stretch>
+            </p:blipFill>
+            <p:spPr>
+              <a:xfrm>
+                <a:off x="2559287" y="1530222"/>
+                <a:ext cx="655079" cy="661202"/>
+              </a:xfrm>
+              <a:prstGeom prst="rect">
+                <a:avLst/>
+              </a:prstGeom>
+            </p:spPr>
+          </p:pic>
+          <p:pic>
+            <p:nvPicPr>
+              <p:cNvPr id="4" name="図 3" descr="29.bmp"/>
+              <p:cNvPicPr>
+                <a:picLocks noChangeAspect="1"/>
+              </p:cNvPicPr>
+              <p:nvPr/>
+            </p:nvPicPr>
+            <p:blipFill>
+              <a:blip r:embed="rId5">
+                <a:extLst>
+                  <a:ext uri="{28A0092B-C50C-407E-A947-70E740481C1C}">
+                    <a14:useLocalDpi xmlns:a14="http://schemas.microsoft.com/office/drawing/2010/main" val="0"/>
+                  </a:ext>
+                </a:extLst>
+              </a:blip>
+              <a:stretch>
+                <a:fillRect/>
+              </a:stretch>
+            </p:blipFill>
+            <p:spPr>
+              <a:xfrm>
+                <a:off x="2559287" y="4585837"/>
+                <a:ext cx="661202" cy="661202"/>
+              </a:xfrm>
+              <a:prstGeom prst="rect">
+                <a:avLst/>
+              </a:prstGeom>
+            </p:spPr>
+          </p:pic>
+          <p:sp>
+            <p:nvSpPr>
+              <p:cNvPr id="25" name="テキスト ボックス 24"/>
+              <p:cNvSpPr txBox="1"/>
+              <p:nvPr/>
+            </p:nvSpPr>
+            <p:spPr>
+              <a:xfrm>
+                <a:off x="2120686" y="5384424"/>
+                <a:ext cx="1573036" cy="307777"/>
+              </a:xfrm>
+              <a:prstGeom prst="rect">
+                <a:avLst/>
+              </a:prstGeom>
+              <a:noFill/>
+            </p:spPr>
+            <p:txBody>
+              <a:bodyPr wrap="square" rtlCol="0">
+                <a:spAutoFit/>
+              </a:bodyPr>
+              <a:lstStyle/>
+              <a:p>
+                <a:r>
+                  <a:rPr kumimoji="1" lang="ja-JP" altLang="en-US" sz="1400" dirty="0" smtClean="0"/>
+                  <a:t>画素値</a:t>
+                </a:r>
+                <a:r>
+                  <a:rPr kumimoji="1" lang="en-US" altLang="ja-JP" sz="1400" dirty="0" smtClean="0"/>
+                  <a:t>:248〜255</a:t>
+                </a:r>
+                <a:endParaRPr kumimoji="1" lang="ja-JP" altLang="en-US" sz="1400" dirty="0"/>
+              </a:p>
+            </p:txBody>
+          </p:sp>
+          <p:sp>
+            <p:nvSpPr>
+              <p:cNvPr id="32" name="テキスト ボックス 31"/>
+              <p:cNvSpPr txBox="1"/>
+              <p:nvPr/>
+            </p:nvSpPr>
+            <p:spPr>
+              <a:xfrm>
+                <a:off x="2281326" y="2280574"/>
+                <a:ext cx="1181845" cy="307777"/>
+              </a:xfrm>
+              <a:prstGeom prst="rect">
+                <a:avLst/>
+              </a:prstGeom>
+              <a:noFill/>
+            </p:spPr>
+            <p:txBody>
+              <a:bodyPr wrap="square" rtlCol="0">
+                <a:spAutoFit/>
+              </a:bodyPr>
+              <a:lstStyle/>
+              <a:p>
+                <a:r>
+                  <a:rPr kumimoji="1" lang="ja-JP" altLang="en-US" sz="1400" dirty="0" smtClean="0"/>
+                  <a:t>画素値</a:t>
+                </a:r>
+                <a:r>
+                  <a:rPr kumimoji="1" lang="en-US" altLang="ja-JP" sz="1400" dirty="0" smtClean="0"/>
+                  <a:t>:0〜7</a:t>
+                </a:r>
+                <a:endParaRPr kumimoji="1" lang="ja-JP" altLang="en-US" sz="1400" dirty="0"/>
+              </a:p>
+            </p:txBody>
+          </p:sp>
+          <p:sp>
+            <p:nvSpPr>
+              <p:cNvPr id="33" name="テキスト ボックス 32"/>
+              <p:cNvSpPr txBox="1"/>
+              <p:nvPr/>
+            </p:nvSpPr>
+            <p:spPr>
+              <a:xfrm rot="5400000">
+                <a:off x="2640796" y="2700471"/>
+                <a:ext cx="492443" cy="155867"/>
+              </a:xfrm>
+              <a:prstGeom prst="rect">
+                <a:avLst/>
+              </a:prstGeom>
+              <a:noFill/>
+              <a:ln>
+                <a:noFill/>
+              </a:ln>
+            </p:spPr>
+            <p:txBody>
+              <a:bodyPr vert="eaVert" wrap="square" rtlCol="0">
+                <a:spAutoFit/>
+              </a:bodyPr>
+              <a:lstStyle/>
+              <a:p>
+                <a:r>
+                  <a:rPr lang="en-US" altLang="ja-JP" sz="2000" dirty="0" smtClean="0"/>
+                  <a:t>…</a:t>
+                </a:r>
+                <a:endParaRPr kumimoji="1" lang="ja-JP" altLang="en-US" sz="2000" dirty="0"/>
+              </a:p>
+            </p:txBody>
+          </p:sp>
+        </p:grpSp>
+        <p:sp>
+          <p:nvSpPr>
+            <p:cNvPr id="34" name="右矢印 33"/>
+            <p:cNvSpPr/>
+            <p:nvPr/>
+          </p:nvSpPr>
+          <p:spPr>
+            <a:xfrm>
+              <a:off x="1562811" y="3321469"/>
+              <a:ext cx="965698" cy="460454"/>
+            </a:xfrm>
+            <a:prstGeom prst="rightArrow">
+              <a:avLst/>
+            </a:prstGeom>
+            <a:noFill/>
+            <a:ln w="28575" cmpd="sng">
+              <a:solidFill>
+                <a:schemeClr val="tx1"/>
+              </a:solidFill>
+            </a:ln>
+            <a:effectLst/>
+          </p:spPr>
+          <p:style>
+            <a:lnRef idx="1">
+              <a:schemeClr val="accent1"/>
+            </a:lnRef>
+            <a:fillRef idx="3">
+              <a:schemeClr val="accent1"/>
+            </a:fillRef>
+            <a:effectRef idx="2">
+              <a:schemeClr val="accent1"/>
+            </a:effectRef>
+            <a:fontRef idx="minor">
+              <a:schemeClr val="lt1"/>
+            </a:fontRef>
+          </p:style>
+          <p:txBody>
+            <a:bodyPr rtlCol="0" anchor="ctr"/>
+            <a:lstStyle/>
+            <a:p>
+              <a:pPr algn="ctr"/>
+              <a:endParaRPr kumimoji="1" lang="ja-JP" altLang="en-US" dirty="0"/>
+            </a:p>
+          </p:txBody>
+        </p:sp>
+        <p:sp>
+          <p:nvSpPr>
+            <p:cNvPr id="40" name="テキスト ボックス 39"/>
+            <p:cNvSpPr txBox="1"/>
+            <p:nvPr/>
+          </p:nvSpPr>
+          <p:spPr>
+            <a:xfrm>
+              <a:off x="1094587" y="2442416"/>
+              <a:ext cx="1853398" cy="738664"/>
+            </a:xfrm>
+            <a:prstGeom prst="rect">
+              <a:avLst/>
+            </a:prstGeom>
+            <a:noFill/>
+            <a:ln>
+              <a:noFill/>
+            </a:ln>
+          </p:spPr>
+          <p:txBody>
+            <a:bodyPr wrap="square" rtlCol="0">
+              <a:spAutoFit/>
+            </a:bodyPr>
+            <a:lstStyle/>
+            <a:p>
+              <a:pPr algn="ctr"/>
+              <a:r>
+                <a:rPr kumimoji="1" lang="ja-JP" altLang="en-US" sz="1400" dirty="0" smtClean="0"/>
+                <a:t>分割</a:t>
+              </a:r>
+              <a:endParaRPr kumimoji="1" lang="en-US" altLang="ja-JP" sz="1400" dirty="0" smtClean="0"/>
+            </a:p>
+            <a:p>
+              <a:pPr algn="ctr"/>
+              <a:r>
+                <a:rPr lang="ja-JP" altLang="en-US" sz="1400" dirty="0" smtClean="0"/>
+                <a:t>＆</a:t>
+              </a:r>
+              <a:endParaRPr lang="en-US" altLang="ja-JP" sz="1400" dirty="0" smtClean="0"/>
+            </a:p>
+            <a:p>
+              <a:pPr algn="ctr"/>
+              <a:r>
+                <a:rPr kumimoji="1" lang="ja-JP" altLang="en-US" sz="1400" dirty="0" smtClean="0"/>
+                <a:t>二値化</a:t>
+              </a:r>
+              <a:endParaRPr kumimoji="1" lang="ja-JP" altLang="en-US" sz="1400" dirty="0"/>
+            </a:p>
+          </p:txBody>
+        </p:sp>
+        <p:sp>
+          <p:nvSpPr>
+            <p:cNvPr id="43" name="右矢印 42"/>
+            <p:cNvSpPr/>
+            <p:nvPr/>
+          </p:nvSpPr>
+          <p:spPr>
+            <a:xfrm>
+              <a:off x="4463059" y="3321469"/>
+              <a:ext cx="965698" cy="460454"/>
+            </a:xfrm>
+            <a:prstGeom prst="rightArrow">
+              <a:avLst/>
+            </a:prstGeom>
+            <a:noFill/>
+            <a:ln w="28575" cmpd="sng">
+              <a:solidFill>
+                <a:schemeClr val="tx1"/>
+              </a:solidFill>
+            </a:ln>
+            <a:effectLst/>
+          </p:spPr>
+          <p:style>
+            <a:lnRef idx="1">
+              <a:schemeClr val="accent1"/>
+            </a:lnRef>
+            <a:fillRef idx="3">
+              <a:schemeClr val="accent1"/>
+            </a:fillRef>
+            <a:effectRef idx="2">
+              <a:schemeClr val="accent1"/>
+            </a:effectRef>
+            <a:fontRef idx="minor">
+              <a:schemeClr val="lt1"/>
+            </a:fontRef>
+          </p:style>
+          <p:txBody>
+            <a:bodyPr rtlCol="0" anchor="ctr"/>
+            <a:lstStyle/>
+            <a:p>
+              <a:pPr algn="ctr"/>
+              <a:endParaRPr kumimoji="1" lang="ja-JP" altLang="en-US" dirty="0"/>
+            </a:p>
+          </p:txBody>
+        </p:sp>
+        <p:sp>
+          <p:nvSpPr>
+            <p:cNvPr id="44" name="テキスト ボックス 43"/>
+            <p:cNvSpPr txBox="1"/>
+            <p:nvPr/>
+          </p:nvSpPr>
+          <p:spPr>
+            <a:xfrm>
+              <a:off x="3994835" y="2442416"/>
+              <a:ext cx="1853398" cy="738664"/>
+            </a:xfrm>
+            <a:prstGeom prst="rect">
+              <a:avLst/>
+            </a:prstGeom>
+            <a:noFill/>
+            <a:ln>
+              <a:noFill/>
+            </a:ln>
+          </p:spPr>
+          <p:txBody>
+            <a:bodyPr wrap="square" rtlCol="0">
+              <a:spAutoFit/>
+            </a:bodyPr>
+            <a:lstStyle/>
+            <a:p>
+              <a:pPr algn="ctr"/>
+              <a:r>
+                <a:rPr kumimoji="1" lang="ja-JP" altLang="en-US" sz="1400" dirty="0" smtClean="0"/>
+                <a:t>ラベリング処理</a:t>
+              </a:r>
+              <a:endParaRPr kumimoji="1" lang="en-US" altLang="ja-JP" sz="1400" dirty="0" smtClean="0"/>
+            </a:p>
+            <a:p>
+              <a:pPr algn="ctr"/>
+              <a:r>
+                <a:rPr lang="ja-JP" altLang="en-US" sz="1400" dirty="0" smtClean="0"/>
+                <a:t>＆</a:t>
+              </a:r>
+              <a:endParaRPr lang="en-US" altLang="ja-JP" sz="1400" dirty="0" smtClean="0"/>
+            </a:p>
+            <a:p>
+              <a:pPr algn="ctr"/>
+              <a:r>
+                <a:rPr kumimoji="1" lang="ja-JP" altLang="en-US" sz="1400" dirty="0" smtClean="0"/>
+                <a:t>面積計算</a:t>
+              </a:r>
+              <a:endParaRPr kumimoji="1" lang="ja-JP" altLang="en-US" sz="1400" dirty="0"/>
+            </a:p>
+          </p:txBody>
+        </p:sp>
+      </p:grpSp>
+    </p:spTree>
+    <p:extLst>
+      <p:ext uri="{BB962C8B-B14F-4D97-AF65-F5344CB8AC3E}">
+        <p14:creationId xmlns:p14="http://schemas.microsoft.com/office/powerpoint/2010/main" val="589378868"/>
+      </p:ext>
+    </p:extLst>
+  </p:cSld>
+  <p:clrMapOvr>
+    <a:masterClrMapping/>
+  </p:clrMapOvr>
+</p:sld>
+</file>
+
 <file path=ppt/theme/theme1.xml><?xml version="1.0" encoding="utf-8"?>
 <a:theme xmlns:a="http://schemas.openxmlformats.org/drawingml/2006/main" name="ホワイト">
   <a:themeElements>

--- a/documents/AccademicMeating/draft/ 図形.pptx
+++ b/documents/AccademicMeating/draft/ 図形.pptx
@@ -4,11 +4,15 @@
   <p:sldMasterIdLst>
     <p:sldMasterId id="2147483648" r:id="rId1"/>
   </p:sldMasterIdLst>
+  <p:notesMasterIdLst>
+    <p:notesMasterId r:id="rId7"/>
+  </p:notesMasterIdLst>
   <p:sldIdLst>
     <p:sldId id="256" r:id="rId2"/>
     <p:sldId id="257" r:id="rId3"/>
     <p:sldId id="258" r:id="rId4"/>
     <p:sldId id="259" r:id="rId5"/>
+    <p:sldId id="260" r:id="rId6"/>
   </p:sldIdLst>
   <p:sldSz cx="9144000" cy="6858000" type="screen4x3"/>
   <p:notesSz cx="6858000" cy="9144000"/>
@@ -108,6 +112,472 @@
     </a:lvl9pPr>
   </p:defaultTextStyle>
 </p:presentation>
+</file>
+
+<file path=ppt/notesMasters/notesMaster1.xml><?xml version="1.0" encoding="utf-8"?>
+<p:notesMaster xmlns:a="http://schemas.openxmlformats.org/drawingml/2006/main" xmlns:r="http://schemas.openxmlformats.org/officeDocument/2006/relationships" xmlns:p="http://schemas.openxmlformats.org/presentationml/2006/main">
+  <p:cSld>
+    <p:bg>
+      <p:bgRef idx="1001">
+        <a:schemeClr val="bg1"/>
+      </p:bgRef>
+    </p:bg>
+    <p:spTree>
+      <p:nvGrpSpPr>
+        <p:cNvPr id="1" name=""/>
+        <p:cNvGrpSpPr/>
+        <p:nvPr/>
+      </p:nvGrpSpPr>
+      <p:grpSpPr>
+        <a:xfrm>
+          <a:off x="0" y="0"/>
+          <a:ext cx="0" cy="0"/>
+          <a:chOff x="0" y="0"/>
+          <a:chExt cx="0" cy="0"/>
+        </a:xfrm>
+      </p:grpSpPr>
+      <p:sp>
+        <p:nvSpPr>
+          <p:cNvPr id="2" name="ヘッダー プレースホルダー 1"/>
+          <p:cNvSpPr>
+            <a:spLocks noGrp="1"/>
+          </p:cNvSpPr>
+          <p:nvPr>
+            <p:ph type="hdr" sz="quarter"/>
+          </p:nvPr>
+        </p:nvSpPr>
+        <p:spPr>
+          <a:xfrm>
+            <a:off x="0" y="0"/>
+            <a:ext cx="2971800" cy="457200"/>
+          </a:xfrm>
+          <a:prstGeom prst="rect">
+            <a:avLst/>
+          </a:prstGeom>
+        </p:spPr>
+        <p:txBody>
+          <a:bodyPr vert="horz" lIns="91440" tIns="45720" rIns="91440" bIns="45720" rtlCol="0"/>
+          <a:lstStyle>
+            <a:lvl1pPr algn="l">
+              <a:defRPr sz="1200"/>
+            </a:lvl1pPr>
+          </a:lstStyle>
+          <a:p>
+            <a:endParaRPr kumimoji="1" lang="ja-JP" altLang="en-US"/>
+          </a:p>
+        </p:txBody>
+      </p:sp>
+      <p:sp>
+        <p:nvSpPr>
+          <p:cNvPr id="3" name="日付プレースホルダー 2"/>
+          <p:cNvSpPr>
+            <a:spLocks noGrp="1"/>
+          </p:cNvSpPr>
+          <p:nvPr>
+            <p:ph type="dt" idx="1"/>
+          </p:nvPr>
+        </p:nvSpPr>
+        <p:spPr>
+          <a:xfrm>
+            <a:off x="3884613" y="0"/>
+            <a:ext cx="2971800" cy="457200"/>
+          </a:xfrm>
+          <a:prstGeom prst="rect">
+            <a:avLst/>
+          </a:prstGeom>
+        </p:spPr>
+        <p:txBody>
+          <a:bodyPr vert="horz" lIns="91440" tIns="45720" rIns="91440" bIns="45720" rtlCol="0"/>
+          <a:lstStyle>
+            <a:lvl1pPr algn="r">
+              <a:defRPr sz="1200"/>
+            </a:lvl1pPr>
+          </a:lstStyle>
+          <a:p>
+            <a:fld id="{4ABB9CDE-7A40-0449-964F-24626D91F1D2}" type="datetimeFigureOut">
+              <a:rPr kumimoji="1" lang="ja-JP" altLang="en-US" smtClean="0"/>
+              <a:t>2013/12/20</a:t>
+            </a:fld>
+            <a:endParaRPr kumimoji="1" lang="ja-JP" altLang="en-US"/>
+          </a:p>
+        </p:txBody>
+      </p:sp>
+      <p:sp>
+        <p:nvSpPr>
+          <p:cNvPr id="4" name="スライド イメージ プレースホルダー 3"/>
+          <p:cNvSpPr>
+            <a:spLocks noGrp="1" noRot="1" noChangeAspect="1"/>
+          </p:cNvSpPr>
+          <p:nvPr>
+            <p:ph type="sldImg" idx="2"/>
+          </p:nvPr>
+        </p:nvSpPr>
+        <p:spPr>
+          <a:xfrm>
+            <a:off x="1143000" y="685800"/>
+            <a:ext cx="4572000" cy="3429000"/>
+          </a:xfrm>
+          <a:prstGeom prst="rect">
+            <a:avLst/>
+          </a:prstGeom>
+          <a:noFill/>
+          <a:ln w="12700">
+            <a:solidFill>
+              <a:prstClr val="black"/>
+            </a:solidFill>
+          </a:ln>
+        </p:spPr>
+        <p:txBody>
+          <a:bodyPr vert="horz" lIns="91440" tIns="45720" rIns="91440" bIns="45720" rtlCol="0" anchor="ctr"/>
+          <a:lstStyle/>
+          <a:p>
+            <a:endParaRPr lang="ja-JP" altLang="en-US"/>
+          </a:p>
+        </p:txBody>
+      </p:sp>
+      <p:sp>
+        <p:nvSpPr>
+          <p:cNvPr id="5" name="ノート プレースホルダー 4"/>
+          <p:cNvSpPr>
+            <a:spLocks noGrp="1"/>
+          </p:cNvSpPr>
+          <p:nvPr>
+            <p:ph type="body" sz="quarter" idx="3"/>
+          </p:nvPr>
+        </p:nvSpPr>
+        <p:spPr>
+          <a:xfrm>
+            <a:off x="685800" y="4343400"/>
+            <a:ext cx="5486400" cy="4114800"/>
+          </a:xfrm>
+          <a:prstGeom prst="rect">
+            <a:avLst/>
+          </a:prstGeom>
+        </p:spPr>
+        <p:txBody>
+          <a:bodyPr vert="horz" lIns="91440" tIns="45720" rIns="91440" bIns="45720" rtlCol="0"/>
+          <a:lstStyle/>
+          <a:p>
+            <a:pPr lvl="0"/>
+            <a:r>
+              <a:rPr kumimoji="1" lang="ja-JP" altLang="en-US" smtClean="0"/>
+              <a:t>マスター テキストの書式設定</a:t>
+            </a:r>
+          </a:p>
+          <a:p>
+            <a:pPr lvl="1"/>
+            <a:r>
+              <a:rPr kumimoji="1" lang="ja-JP" altLang="en-US" smtClean="0"/>
+              <a:t>第 </a:t>
+            </a:r>
+            <a:r>
+              <a:rPr kumimoji="1" lang="en-US" altLang="ja-JP" smtClean="0"/>
+              <a:t>2 </a:t>
+            </a:r>
+            <a:r>
+              <a:rPr kumimoji="1" lang="ja-JP" altLang="en-US" smtClean="0"/>
+              <a:t>レベル</a:t>
+            </a:r>
+          </a:p>
+          <a:p>
+            <a:pPr lvl="2"/>
+            <a:r>
+              <a:rPr kumimoji="1" lang="ja-JP" altLang="en-US" smtClean="0"/>
+              <a:t>第 </a:t>
+            </a:r>
+            <a:r>
+              <a:rPr kumimoji="1" lang="en-US" altLang="ja-JP" smtClean="0"/>
+              <a:t>3 </a:t>
+            </a:r>
+            <a:r>
+              <a:rPr kumimoji="1" lang="ja-JP" altLang="en-US" smtClean="0"/>
+              <a:t>レベル</a:t>
+            </a:r>
+          </a:p>
+          <a:p>
+            <a:pPr lvl="3"/>
+            <a:r>
+              <a:rPr kumimoji="1" lang="ja-JP" altLang="en-US" smtClean="0"/>
+              <a:t>第 </a:t>
+            </a:r>
+            <a:r>
+              <a:rPr kumimoji="1" lang="en-US" altLang="ja-JP" smtClean="0"/>
+              <a:t>4 </a:t>
+            </a:r>
+            <a:r>
+              <a:rPr kumimoji="1" lang="ja-JP" altLang="en-US" smtClean="0"/>
+              <a:t>レベル</a:t>
+            </a:r>
+          </a:p>
+          <a:p>
+            <a:pPr lvl="4"/>
+            <a:r>
+              <a:rPr kumimoji="1" lang="ja-JP" altLang="en-US" smtClean="0"/>
+              <a:t>第 </a:t>
+            </a:r>
+            <a:r>
+              <a:rPr kumimoji="1" lang="en-US" altLang="ja-JP" smtClean="0"/>
+              <a:t>5 </a:t>
+            </a:r>
+            <a:r>
+              <a:rPr kumimoji="1" lang="ja-JP" altLang="en-US" smtClean="0"/>
+              <a:t>レベル</a:t>
+            </a:r>
+            <a:endParaRPr kumimoji="1" lang="ja-JP" altLang="en-US"/>
+          </a:p>
+        </p:txBody>
+      </p:sp>
+      <p:sp>
+        <p:nvSpPr>
+          <p:cNvPr id="6" name="フッター プレースホルダー 5"/>
+          <p:cNvSpPr>
+            <a:spLocks noGrp="1"/>
+          </p:cNvSpPr>
+          <p:nvPr>
+            <p:ph type="ftr" sz="quarter" idx="4"/>
+          </p:nvPr>
+        </p:nvSpPr>
+        <p:spPr>
+          <a:xfrm>
+            <a:off x="0" y="8685213"/>
+            <a:ext cx="2971800" cy="457200"/>
+          </a:xfrm>
+          <a:prstGeom prst="rect">
+            <a:avLst/>
+          </a:prstGeom>
+        </p:spPr>
+        <p:txBody>
+          <a:bodyPr vert="horz" lIns="91440" tIns="45720" rIns="91440" bIns="45720" rtlCol="0" anchor="b"/>
+          <a:lstStyle>
+            <a:lvl1pPr algn="l">
+              <a:defRPr sz="1200"/>
+            </a:lvl1pPr>
+          </a:lstStyle>
+          <a:p>
+            <a:endParaRPr kumimoji="1" lang="ja-JP" altLang="en-US"/>
+          </a:p>
+        </p:txBody>
+      </p:sp>
+      <p:sp>
+        <p:nvSpPr>
+          <p:cNvPr id="7" name="スライド番号プレースホルダー 6"/>
+          <p:cNvSpPr>
+            <a:spLocks noGrp="1"/>
+          </p:cNvSpPr>
+          <p:nvPr>
+            <p:ph type="sldNum" sz="quarter" idx="5"/>
+          </p:nvPr>
+        </p:nvSpPr>
+        <p:spPr>
+          <a:xfrm>
+            <a:off x="3884613" y="8685213"/>
+            <a:ext cx="2971800" cy="457200"/>
+          </a:xfrm>
+          <a:prstGeom prst="rect">
+            <a:avLst/>
+          </a:prstGeom>
+        </p:spPr>
+        <p:txBody>
+          <a:bodyPr vert="horz" lIns="91440" tIns="45720" rIns="91440" bIns="45720" rtlCol="0" anchor="b"/>
+          <a:lstStyle>
+            <a:lvl1pPr algn="r">
+              <a:defRPr sz="1200"/>
+            </a:lvl1pPr>
+          </a:lstStyle>
+          <a:p>
+            <a:fld id="{0FFAAB4E-689D-0B4F-9BBC-FEEEBA37B3D9}" type="slidenum">
+              <a:rPr kumimoji="1" lang="ja-JP" altLang="en-US" smtClean="0"/>
+              <a:t>‹#›</a:t>
+            </a:fld>
+            <a:endParaRPr kumimoji="1" lang="ja-JP" altLang="en-US"/>
+          </a:p>
+        </p:txBody>
+      </p:sp>
+    </p:spTree>
+    <p:extLst>
+      <p:ext uri="{BB962C8B-B14F-4D97-AF65-F5344CB8AC3E}">
+        <p14:creationId xmlns:p14="http://schemas.microsoft.com/office/powerpoint/2010/main" val="2476007648"/>
+      </p:ext>
+    </p:extLst>
+  </p:cSld>
+  <p:clrMap bg1="lt1" tx1="dk1" bg2="lt2" tx2="dk2" accent1="accent1" accent2="accent2" accent3="accent3" accent4="accent4" accent5="accent5" accent6="accent6" hlink="hlink" folHlink="folHlink"/>
+  <p:notesStyle>
+    <a:lvl1pPr marL="0" algn="l" defTabSz="457200" rtl="0" eaLnBrk="1" latinLnBrk="0" hangingPunct="1">
+      <a:defRPr kumimoji="1" sz="1200" kern="1200">
+        <a:solidFill>
+          <a:schemeClr val="tx1"/>
+        </a:solidFill>
+        <a:latin typeface="+mn-lt"/>
+        <a:ea typeface="+mn-ea"/>
+        <a:cs typeface="+mn-cs"/>
+      </a:defRPr>
+    </a:lvl1pPr>
+    <a:lvl2pPr marL="457200" algn="l" defTabSz="457200" rtl="0" eaLnBrk="1" latinLnBrk="0" hangingPunct="1">
+      <a:defRPr kumimoji="1" sz="1200" kern="1200">
+        <a:solidFill>
+          <a:schemeClr val="tx1"/>
+        </a:solidFill>
+        <a:latin typeface="+mn-lt"/>
+        <a:ea typeface="+mn-ea"/>
+        <a:cs typeface="+mn-cs"/>
+      </a:defRPr>
+    </a:lvl2pPr>
+    <a:lvl3pPr marL="914400" algn="l" defTabSz="457200" rtl="0" eaLnBrk="1" latinLnBrk="0" hangingPunct="1">
+      <a:defRPr kumimoji="1" sz="1200" kern="1200">
+        <a:solidFill>
+          <a:schemeClr val="tx1"/>
+        </a:solidFill>
+        <a:latin typeface="+mn-lt"/>
+        <a:ea typeface="+mn-ea"/>
+        <a:cs typeface="+mn-cs"/>
+      </a:defRPr>
+    </a:lvl3pPr>
+    <a:lvl4pPr marL="1371600" algn="l" defTabSz="457200" rtl="0" eaLnBrk="1" latinLnBrk="0" hangingPunct="1">
+      <a:defRPr kumimoji="1" sz="1200" kern="1200">
+        <a:solidFill>
+          <a:schemeClr val="tx1"/>
+        </a:solidFill>
+        <a:latin typeface="+mn-lt"/>
+        <a:ea typeface="+mn-ea"/>
+        <a:cs typeface="+mn-cs"/>
+      </a:defRPr>
+    </a:lvl4pPr>
+    <a:lvl5pPr marL="1828800" algn="l" defTabSz="457200" rtl="0" eaLnBrk="1" latinLnBrk="0" hangingPunct="1">
+      <a:defRPr kumimoji="1" sz="1200" kern="1200">
+        <a:solidFill>
+          <a:schemeClr val="tx1"/>
+        </a:solidFill>
+        <a:latin typeface="+mn-lt"/>
+        <a:ea typeface="+mn-ea"/>
+        <a:cs typeface="+mn-cs"/>
+      </a:defRPr>
+    </a:lvl5pPr>
+    <a:lvl6pPr marL="2286000" algn="l" defTabSz="457200" rtl="0" eaLnBrk="1" latinLnBrk="0" hangingPunct="1">
+      <a:defRPr kumimoji="1" sz="1200" kern="1200">
+        <a:solidFill>
+          <a:schemeClr val="tx1"/>
+        </a:solidFill>
+        <a:latin typeface="+mn-lt"/>
+        <a:ea typeface="+mn-ea"/>
+        <a:cs typeface="+mn-cs"/>
+      </a:defRPr>
+    </a:lvl6pPr>
+    <a:lvl7pPr marL="2743200" algn="l" defTabSz="457200" rtl="0" eaLnBrk="1" latinLnBrk="0" hangingPunct="1">
+      <a:defRPr kumimoji="1" sz="1200" kern="1200">
+        <a:solidFill>
+          <a:schemeClr val="tx1"/>
+        </a:solidFill>
+        <a:latin typeface="+mn-lt"/>
+        <a:ea typeface="+mn-ea"/>
+        <a:cs typeface="+mn-cs"/>
+      </a:defRPr>
+    </a:lvl7pPr>
+    <a:lvl8pPr marL="3200400" algn="l" defTabSz="457200" rtl="0" eaLnBrk="1" latinLnBrk="0" hangingPunct="1">
+      <a:defRPr kumimoji="1" sz="1200" kern="1200">
+        <a:solidFill>
+          <a:schemeClr val="tx1"/>
+        </a:solidFill>
+        <a:latin typeface="+mn-lt"/>
+        <a:ea typeface="+mn-ea"/>
+        <a:cs typeface="+mn-cs"/>
+      </a:defRPr>
+    </a:lvl8pPr>
+    <a:lvl9pPr marL="3657600" algn="l" defTabSz="457200" rtl="0" eaLnBrk="1" latinLnBrk="0" hangingPunct="1">
+      <a:defRPr kumimoji="1" sz="1200" kern="1200">
+        <a:solidFill>
+          <a:schemeClr val="tx1"/>
+        </a:solidFill>
+        <a:latin typeface="+mn-lt"/>
+        <a:ea typeface="+mn-ea"/>
+        <a:cs typeface="+mn-cs"/>
+      </a:defRPr>
+    </a:lvl9pPr>
+  </p:notesStyle>
+</p:notesMaster>
+</file>
+
+<file path=ppt/notesSlides/notesSlide1.xml><?xml version="1.0" encoding="utf-8"?>
+<p:notes xmlns:a="http://schemas.openxmlformats.org/drawingml/2006/main" xmlns:r="http://schemas.openxmlformats.org/officeDocument/2006/relationships" xmlns:p="http://schemas.openxmlformats.org/presentationml/2006/main">
+  <p:cSld>
+    <p:spTree>
+      <p:nvGrpSpPr>
+        <p:cNvPr id="1" name=""/>
+        <p:cNvGrpSpPr/>
+        <p:nvPr/>
+      </p:nvGrpSpPr>
+      <p:grpSpPr>
+        <a:xfrm>
+          <a:off x="0" y="0"/>
+          <a:ext cx="0" cy="0"/>
+          <a:chOff x="0" y="0"/>
+          <a:chExt cx="0" cy="0"/>
+        </a:xfrm>
+      </p:grpSpPr>
+      <p:sp>
+        <p:nvSpPr>
+          <p:cNvPr id="2" name="スライド イメージ プレースホルダー 1"/>
+          <p:cNvSpPr>
+            <a:spLocks noGrp="1" noRot="1" noChangeAspect="1"/>
+          </p:cNvSpPr>
+          <p:nvPr>
+            <p:ph type="sldImg"/>
+          </p:nvPr>
+        </p:nvSpPr>
+        <p:spPr/>
+      </p:sp>
+      <p:sp>
+        <p:nvSpPr>
+          <p:cNvPr id="3" name="ノート プレースホルダー 2"/>
+          <p:cNvSpPr>
+            <a:spLocks noGrp="1"/>
+          </p:cNvSpPr>
+          <p:nvPr>
+            <p:ph type="body" idx="1"/>
+          </p:nvPr>
+        </p:nvSpPr>
+        <p:spPr/>
+        <p:txBody>
+          <a:bodyPr/>
+          <a:lstStyle/>
+          <a:p>
+            <a:endParaRPr kumimoji="1" lang="ja-JP" altLang="en-US" dirty="0"/>
+          </a:p>
+        </p:txBody>
+      </p:sp>
+      <p:sp>
+        <p:nvSpPr>
+          <p:cNvPr id="4" name="スライド番号プレースホルダー 3"/>
+          <p:cNvSpPr>
+            <a:spLocks noGrp="1"/>
+          </p:cNvSpPr>
+          <p:nvPr>
+            <p:ph type="sldNum" sz="quarter" idx="10"/>
+          </p:nvPr>
+        </p:nvSpPr>
+        <p:spPr/>
+        <p:txBody>
+          <a:bodyPr/>
+          <a:lstStyle/>
+          <a:p>
+            <a:fld id="{0FFAAB4E-689D-0B4F-9BBC-FEEEBA37B3D9}" type="slidenum">
+              <a:rPr kumimoji="1" lang="ja-JP" altLang="en-US" smtClean="0"/>
+              <a:t>5</a:t>
+            </a:fld>
+            <a:endParaRPr kumimoji="1" lang="ja-JP" altLang="en-US"/>
+          </a:p>
+        </p:txBody>
+      </p:sp>
+    </p:spTree>
+    <p:extLst>
+      <p:ext uri="{BB962C8B-B14F-4D97-AF65-F5344CB8AC3E}">
+        <p14:creationId xmlns:p14="http://schemas.microsoft.com/office/powerpoint/2010/main" val="2219719330"/>
+      </p:ext>
+    </p:extLst>
+  </p:cSld>
+  <p:clrMapOvr>
+    <a:masterClrMapping/>
+  </p:clrMapOvr>
+</p:notes>
 </file>
 
 <file path=ppt/slideLayouts/slideLayout1.xml><?xml version="1.0" encoding="utf-8"?>
@@ -8668,6 +9138,712 @@
 </p:sld>
 </file>
 
+<file path=ppt/slides/slide5.xml><?xml version="1.0" encoding="utf-8"?>
+<p:sld xmlns:a="http://schemas.openxmlformats.org/drawingml/2006/main" xmlns:r="http://schemas.openxmlformats.org/officeDocument/2006/relationships" xmlns:p="http://schemas.openxmlformats.org/presentationml/2006/main">
+  <p:cSld>
+    <p:spTree>
+      <p:nvGrpSpPr>
+        <p:cNvPr id="1" name=""/>
+        <p:cNvGrpSpPr/>
+        <p:nvPr/>
+      </p:nvGrpSpPr>
+      <p:grpSpPr>
+        <a:xfrm>
+          <a:off x="0" y="0"/>
+          <a:ext cx="0" cy="0"/>
+          <a:chOff x="0" y="0"/>
+          <a:chExt cx="0" cy="0"/>
+        </a:xfrm>
+      </p:grpSpPr>
+      <p:cxnSp>
+        <p:nvCxnSpPr>
+          <p:cNvPr id="20" name="直線矢印コネクタ 19"/>
+          <p:cNvCxnSpPr/>
+          <p:nvPr/>
+        </p:nvCxnSpPr>
+        <p:spPr>
+          <a:xfrm flipV="1">
+            <a:off x="9938327" y="3895806"/>
+            <a:ext cx="1421261" cy="1575624"/>
+          </a:xfrm>
+          <a:prstGeom prst="straightConnector1">
+            <a:avLst/>
+          </a:prstGeom>
+          <a:ln>
+            <a:solidFill>
+              <a:schemeClr val="tx1"/>
+            </a:solidFill>
+            <a:tailEnd type="arrow"/>
+          </a:ln>
+        </p:spPr>
+        <p:style>
+          <a:lnRef idx="2">
+            <a:schemeClr val="accent1"/>
+          </a:lnRef>
+          <a:fillRef idx="0">
+            <a:schemeClr val="accent1"/>
+          </a:fillRef>
+          <a:effectRef idx="1">
+            <a:schemeClr val="accent1"/>
+          </a:effectRef>
+          <a:fontRef idx="minor">
+            <a:schemeClr val="tx1"/>
+          </a:fontRef>
+        </p:style>
+      </p:cxnSp>
+      <p:cxnSp>
+        <p:nvCxnSpPr>
+          <p:cNvPr id="22" name="直線矢印コネクタ 21"/>
+          <p:cNvCxnSpPr/>
+          <p:nvPr/>
+        </p:nvCxnSpPr>
+        <p:spPr>
+          <a:xfrm flipV="1">
+            <a:off x="9938327" y="5451765"/>
+            <a:ext cx="1409609" cy="19665"/>
+          </a:xfrm>
+          <a:prstGeom prst="straightConnector1">
+            <a:avLst/>
+          </a:prstGeom>
+          <a:ln>
+            <a:solidFill>
+              <a:schemeClr val="tx1"/>
+            </a:solidFill>
+            <a:tailEnd type="arrow"/>
+          </a:ln>
+        </p:spPr>
+        <p:style>
+          <a:lnRef idx="2">
+            <a:schemeClr val="accent1"/>
+          </a:lnRef>
+          <a:fillRef idx="0">
+            <a:schemeClr val="accent1"/>
+          </a:fillRef>
+          <a:effectRef idx="1">
+            <a:schemeClr val="accent1"/>
+          </a:effectRef>
+          <a:fontRef idx="minor">
+            <a:schemeClr val="tx1"/>
+          </a:fontRef>
+        </p:style>
+      </p:cxnSp>
+      <p:cxnSp>
+        <p:nvCxnSpPr>
+          <p:cNvPr id="24" name="直線矢印コネクタ 23"/>
+          <p:cNvCxnSpPr/>
+          <p:nvPr/>
+        </p:nvCxnSpPr>
+        <p:spPr>
+          <a:xfrm>
+            <a:off x="9938327" y="5471430"/>
+            <a:ext cx="1421261" cy="1479991"/>
+          </a:xfrm>
+          <a:prstGeom prst="straightConnector1">
+            <a:avLst/>
+          </a:prstGeom>
+          <a:ln>
+            <a:solidFill>
+              <a:schemeClr val="tx1"/>
+            </a:solidFill>
+            <a:tailEnd type="arrow"/>
+          </a:ln>
+        </p:spPr>
+        <p:style>
+          <a:lnRef idx="2">
+            <a:schemeClr val="accent1"/>
+          </a:lnRef>
+          <a:fillRef idx="0">
+            <a:schemeClr val="accent1"/>
+          </a:fillRef>
+          <a:effectRef idx="1">
+            <a:schemeClr val="accent1"/>
+          </a:effectRef>
+          <a:fontRef idx="minor">
+            <a:schemeClr val="tx1"/>
+          </a:fontRef>
+        </p:style>
+      </p:cxnSp>
+      <p:pic>
+        <p:nvPicPr>
+          <p:cNvPr id="14" name="図 13" descr="LENNA.bmp"/>
+          <p:cNvPicPr>
+            <a:picLocks noChangeAspect="1"/>
+          </p:cNvPicPr>
+          <p:nvPr/>
+        </p:nvPicPr>
+        <p:blipFill>
+          <a:blip r:embed="rId3">
+            <a:extLst>
+              <a:ext uri="{28A0092B-C50C-407E-A947-70E740481C1C}">
+                <a14:useLocalDpi xmlns:a14="http://schemas.microsoft.com/office/drawing/2010/main" val="0"/>
+              </a:ext>
+            </a:extLst>
+          </a:blip>
+          <a:stretch>
+            <a:fillRect/>
+          </a:stretch>
+        </p:blipFill>
+        <p:spPr>
+          <a:xfrm>
+            <a:off x="438154" y="3192813"/>
+            <a:ext cx="828689" cy="828689"/>
+          </a:xfrm>
+          <a:prstGeom prst="rect">
+            <a:avLst/>
+          </a:prstGeom>
+        </p:spPr>
+      </p:pic>
+      <p:grpSp>
+        <p:nvGrpSpPr>
+          <p:cNvPr id="31" name="図形グループ 30"/>
+          <p:cNvGrpSpPr/>
+          <p:nvPr/>
+        </p:nvGrpSpPr>
+        <p:grpSpPr>
+          <a:xfrm>
+            <a:off x="4911594" y="3216115"/>
+            <a:ext cx="1307556" cy="828689"/>
+            <a:chOff x="5519145" y="2985874"/>
+            <a:chExt cx="1789546" cy="923618"/>
+          </a:xfrm>
+        </p:grpSpPr>
+        <p:sp>
+          <p:nvSpPr>
+            <p:cNvPr id="29" name="円/楕円 28"/>
+            <p:cNvSpPr/>
+            <p:nvPr/>
+          </p:nvSpPr>
+          <p:spPr>
+            <a:xfrm>
+              <a:off x="5519145" y="2985874"/>
+              <a:ext cx="1789546" cy="923618"/>
+            </a:xfrm>
+            <a:prstGeom prst="ellipse">
+              <a:avLst/>
+            </a:prstGeom>
+            <a:noFill/>
+            <a:ln>
+              <a:solidFill>
+                <a:srgbClr val="000000"/>
+              </a:solidFill>
+            </a:ln>
+            <a:effectLst/>
+          </p:spPr>
+          <p:style>
+            <a:lnRef idx="1">
+              <a:schemeClr val="accent1"/>
+            </a:lnRef>
+            <a:fillRef idx="3">
+              <a:schemeClr val="accent1"/>
+            </a:fillRef>
+            <a:effectRef idx="2">
+              <a:schemeClr val="accent1"/>
+            </a:effectRef>
+            <a:fontRef idx="minor">
+              <a:schemeClr val="lt1"/>
+            </a:fontRef>
+          </p:style>
+          <p:txBody>
+            <a:bodyPr rtlCol="0" anchor="ctr"/>
+            <a:lstStyle/>
+            <a:p>
+              <a:pPr algn="ctr"/>
+              <a:endParaRPr kumimoji="1" lang="ja-JP" altLang="en-US" dirty="0"/>
+            </a:p>
+          </p:txBody>
+        </p:sp>
+        <p:sp>
+          <p:nvSpPr>
+            <p:cNvPr id="30" name="テキスト ボックス 29"/>
+            <p:cNvSpPr txBox="1"/>
+            <p:nvPr/>
+          </p:nvSpPr>
+          <p:spPr>
+            <a:xfrm>
+              <a:off x="5646724" y="3233222"/>
+              <a:ext cx="1553803" cy="411640"/>
+            </a:xfrm>
+            <a:prstGeom prst="rect">
+              <a:avLst/>
+            </a:prstGeom>
+            <a:noFill/>
+          </p:spPr>
+          <p:txBody>
+            <a:bodyPr wrap="square" rtlCol="0">
+              <a:spAutoFit/>
+            </a:bodyPr>
+            <a:lstStyle/>
+            <a:p>
+              <a:r>
+                <a:rPr lang="ja-JP" altLang="en-US" dirty="0" smtClean="0"/>
+                <a:t>最大面積</a:t>
+              </a:r>
+              <a:endParaRPr kumimoji="1" lang="ja-JP" altLang="en-US" dirty="0"/>
+            </a:p>
+          </p:txBody>
+        </p:sp>
+      </p:grpSp>
+      <p:pic>
+        <p:nvPicPr>
+          <p:cNvPr id="9" name="図 8" descr="14.bmp"/>
+          <p:cNvPicPr>
+            <a:picLocks noChangeAspect="1"/>
+          </p:cNvPicPr>
+          <p:nvPr/>
+        </p:nvPicPr>
+        <p:blipFill>
+          <a:blip r:embed="rId4">
+            <a:extLst>
+              <a:ext uri="{28A0092B-C50C-407E-A947-70E740481C1C}">
+                <a14:useLocalDpi xmlns:a14="http://schemas.microsoft.com/office/drawing/2010/main" val="0"/>
+              </a:ext>
+            </a:extLst>
+          </a:blip>
+          <a:stretch>
+            <a:fillRect/>
+          </a:stretch>
+        </p:blipFill>
+        <p:spPr>
+          <a:xfrm>
+            <a:off x="2688104" y="3280194"/>
+            <a:ext cx="661202" cy="661202"/>
+          </a:xfrm>
+          <a:prstGeom prst="rect">
+            <a:avLst/>
+          </a:prstGeom>
+        </p:spPr>
+      </p:pic>
+      <p:sp>
+        <p:nvSpPr>
+          <p:cNvPr id="28" name="テキスト ボックス 27"/>
+          <p:cNvSpPr txBox="1"/>
+          <p:nvPr/>
+        </p:nvSpPr>
+        <p:spPr>
+          <a:xfrm rot="5400000">
+            <a:off x="2822772" y="4313060"/>
+            <a:ext cx="430887" cy="155867"/>
+          </a:xfrm>
+          <a:prstGeom prst="rect">
+            <a:avLst/>
+          </a:prstGeom>
+          <a:noFill/>
+          <a:ln>
+            <a:noFill/>
+          </a:ln>
+        </p:spPr>
+        <p:txBody>
+          <a:bodyPr vert="eaVert" wrap="square" rtlCol="0">
+            <a:spAutoFit/>
+          </a:bodyPr>
+          <a:lstStyle/>
+          <a:p>
+            <a:r>
+              <a:rPr lang="en-US" altLang="ja-JP" sz="1600" dirty="0" smtClean="0"/>
+              <a:t>…</a:t>
+            </a:r>
+            <a:endParaRPr kumimoji="1" lang="ja-JP" altLang="en-US" sz="1600" dirty="0"/>
+          </a:p>
+        </p:txBody>
+      </p:sp>
+      <p:sp>
+        <p:nvSpPr>
+          <p:cNvPr id="2" name="テキスト ボックス 1"/>
+          <p:cNvSpPr txBox="1"/>
+          <p:nvPr/>
+        </p:nvSpPr>
+        <p:spPr>
+          <a:xfrm>
+            <a:off x="2261155" y="3974102"/>
+            <a:ext cx="1573036" cy="307777"/>
+          </a:xfrm>
+          <a:prstGeom prst="rect">
+            <a:avLst/>
+          </a:prstGeom>
+          <a:noFill/>
+        </p:spPr>
+        <p:txBody>
+          <a:bodyPr wrap="square" rtlCol="0">
+            <a:spAutoFit/>
+          </a:bodyPr>
+          <a:lstStyle/>
+          <a:p>
+            <a:r>
+              <a:rPr kumimoji="1" lang="ja-JP" altLang="en-US" sz="1400" dirty="0" smtClean="0"/>
+              <a:t>画素値</a:t>
+            </a:r>
+            <a:r>
+              <a:rPr kumimoji="1" lang="en-US" altLang="ja-JP" sz="1400" dirty="0" smtClean="0"/>
+              <a:t>:112〜119</a:t>
+            </a:r>
+            <a:endParaRPr kumimoji="1" lang="ja-JP" altLang="en-US" sz="1400" dirty="0"/>
+          </a:p>
+        </p:txBody>
+      </p:sp>
+      <p:pic>
+        <p:nvPicPr>
+          <p:cNvPr id="3" name="図 2" descr="00.bmp"/>
+          <p:cNvPicPr>
+            <a:picLocks noChangeAspect="1"/>
+          </p:cNvPicPr>
+          <p:nvPr/>
+        </p:nvPicPr>
+        <p:blipFill>
+          <a:blip r:embed="rId5">
+            <a:extLst>
+              <a:ext uri="{28A0092B-C50C-407E-A947-70E740481C1C}">
+                <a14:useLocalDpi xmlns:a14="http://schemas.microsoft.com/office/drawing/2010/main" val="0"/>
+              </a:ext>
+            </a:extLst>
+          </a:blip>
+          <a:stretch>
+            <a:fillRect/>
+          </a:stretch>
+        </p:blipFill>
+        <p:spPr>
+          <a:xfrm>
+            <a:off x="2711408" y="1899000"/>
+            <a:ext cx="655079" cy="661202"/>
+          </a:xfrm>
+          <a:prstGeom prst="rect">
+            <a:avLst/>
+          </a:prstGeom>
+        </p:spPr>
+      </p:pic>
+      <p:pic>
+        <p:nvPicPr>
+          <p:cNvPr id="4" name="図 3" descr="29.bmp"/>
+          <p:cNvPicPr>
+            <a:picLocks noChangeAspect="1"/>
+          </p:cNvPicPr>
+          <p:nvPr/>
+        </p:nvPicPr>
+        <p:blipFill>
+          <a:blip r:embed="rId6">
+            <a:extLst>
+              <a:ext uri="{28A0092B-C50C-407E-A947-70E740481C1C}">
+                <a14:useLocalDpi xmlns:a14="http://schemas.microsoft.com/office/drawing/2010/main" val="0"/>
+              </a:ext>
+            </a:extLst>
+          </a:blip>
+          <a:stretch>
+            <a:fillRect/>
+          </a:stretch>
+        </p:blipFill>
+        <p:spPr>
+          <a:xfrm>
+            <a:off x="2723060" y="4605085"/>
+            <a:ext cx="661202" cy="661202"/>
+          </a:xfrm>
+          <a:prstGeom prst="rect">
+            <a:avLst/>
+          </a:prstGeom>
+        </p:spPr>
+      </p:pic>
+      <p:sp>
+        <p:nvSpPr>
+          <p:cNvPr id="25" name="テキスト ボックス 24"/>
+          <p:cNvSpPr txBox="1"/>
+          <p:nvPr/>
+        </p:nvSpPr>
+        <p:spPr>
+          <a:xfrm>
+            <a:off x="2284459" y="5403672"/>
+            <a:ext cx="1573036" cy="307777"/>
+          </a:xfrm>
+          <a:prstGeom prst="rect">
+            <a:avLst/>
+          </a:prstGeom>
+          <a:noFill/>
+        </p:spPr>
+        <p:txBody>
+          <a:bodyPr wrap="square" rtlCol="0">
+            <a:spAutoFit/>
+          </a:bodyPr>
+          <a:lstStyle/>
+          <a:p>
+            <a:r>
+              <a:rPr kumimoji="1" lang="ja-JP" altLang="en-US" sz="1400" dirty="0" smtClean="0"/>
+              <a:t>画素値</a:t>
+            </a:r>
+            <a:r>
+              <a:rPr kumimoji="1" lang="en-US" altLang="ja-JP" sz="1400" dirty="0" smtClean="0"/>
+              <a:t>:248〜255</a:t>
+            </a:r>
+            <a:endParaRPr kumimoji="1" lang="ja-JP" altLang="en-US" sz="1400" dirty="0"/>
+          </a:p>
+        </p:txBody>
+      </p:sp>
+      <p:sp>
+        <p:nvSpPr>
+          <p:cNvPr id="32" name="テキスト ボックス 31"/>
+          <p:cNvSpPr txBox="1"/>
+          <p:nvPr/>
+        </p:nvSpPr>
+        <p:spPr>
+          <a:xfrm>
+            <a:off x="2445099" y="2649352"/>
+            <a:ext cx="1181845" cy="307777"/>
+          </a:xfrm>
+          <a:prstGeom prst="rect">
+            <a:avLst/>
+          </a:prstGeom>
+          <a:noFill/>
+        </p:spPr>
+        <p:txBody>
+          <a:bodyPr wrap="square" rtlCol="0">
+            <a:spAutoFit/>
+          </a:bodyPr>
+          <a:lstStyle/>
+          <a:p>
+            <a:r>
+              <a:rPr kumimoji="1" lang="ja-JP" altLang="en-US" sz="1400" dirty="0" smtClean="0"/>
+              <a:t>画素値</a:t>
+            </a:r>
+            <a:r>
+              <a:rPr kumimoji="1" lang="en-US" altLang="ja-JP" sz="1400" dirty="0" smtClean="0"/>
+              <a:t>:0〜7</a:t>
+            </a:r>
+            <a:endParaRPr kumimoji="1" lang="ja-JP" altLang="en-US" sz="1400" dirty="0"/>
+          </a:p>
+        </p:txBody>
+      </p:sp>
+      <p:sp>
+        <p:nvSpPr>
+          <p:cNvPr id="33" name="テキスト ボックス 32"/>
+          <p:cNvSpPr txBox="1"/>
+          <p:nvPr/>
+        </p:nvSpPr>
+        <p:spPr>
+          <a:xfrm rot="5400000">
+            <a:off x="2812043" y="3022645"/>
+            <a:ext cx="430887" cy="155867"/>
+          </a:xfrm>
+          <a:prstGeom prst="rect">
+            <a:avLst/>
+          </a:prstGeom>
+          <a:noFill/>
+          <a:ln>
+            <a:noFill/>
+          </a:ln>
+        </p:spPr>
+        <p:txBody>
+          <a:bodyPr vert="eaVert" wrap="square" rtlCol="0">
+            <a:spAutoFit/>
+          </a:bodyPr>
+          <a:lstStyle/>
+          <a:p>
+            <a:r>
+              <a:rPr lang="en-US" altLang="ja-JP" sz="1600" dirty="0" smtClean="0"/>
+              <a:t>…</a:t>
+            </a:r>
+            <a:endParaRPr kumimoji="1" lang="ja-JP" altLang="en-US" sz="1600" dirty="0"/>
+          </a:p>
+        </p:txBody>
+      </p:sp>
+      <p:sp>
+        <p:nvSpPr>
+          <p:cNvPr id="34" name="右矢印 33"/>
+          <p:cNvSpPr/>
+          <p:nvPr/>
+        </p:nvSpPr>
+        <p:spPr>
+          <a:xfrm>
+            <a:off x="1537076" y="3405174"/>
+            <a:ext cx="798097" cy="460454"/>
+          </a:xfrm>
+          <a:prstGeom prst="rightArrow">
+            <a:avLst/>
+          </a:prstGeom>
+          <a:noFill/>
+          <a:ln w="28575" cmpd="sng">
+            <a:solidFill>
+              <a:schemeClr val="tx1"/>
+            </a:solidFill>
+          </a:ln>
+          <a:effectLst/>
+        </p:spPr>
+        <p:style>
+          <a:lnRef idx="1">
+            <a:schemeClr val="accent1"/>
+          </a:lnRef>
+          <a:fillRef idx="3">
+            <a:schemeClr val="accent1"/>
+          </a:fillRef>
+          <a:effectRef idx="2">
+            <a:schemeClr val="accent1"/>
+          </a:effectRef>
+          <a:fontRef idx="minor">
+            <a:schemeClr val="lt1"/>
+          </a:fontRef>
+        </p:style>
+        <p:txBody>
+          <a:bodyPr rtlCol="0" anchor="ctr"/>
+          <a:lstStyle/>
+          <a:p>
+            <a:pPr algn="ctr"/>
+            <a:endParaRPr kumimoji="1" lang="ja-JP" altLang="en-US" dirty="0"/>
+          </a:p>
+        </p:txBody>
+      </p:sp>
+      <p:sp>
+        <p:nvSpPr>
+          <p:cNvPr id="40" name="テキスト ボックス 39"/>
+          <p:cNvSpPr txBox="1"/>
+          <p:nvPr/>
+        </p:nvSpPr>
+        <p:spPr>
+          <a:xfrm>
+            <a:off x="985051" y="2526121"/>
+            <a:ext cx="1853398" cy="738664"/>
+          </a:xfrm>
+          <a:prstGeom prst="rect">
+            <a:avLst/>
+          </a:prstGeom>
+          <a:noFill/>
+          <a:ln>
+            <a:noFill/>
+          </a:ln>
+        </p:spPr>
+        <p:txBody>
+          <a:bodyPr wrap="square" rtlCol="0">
+            <a:spAutoFit/>
+          </a:bodyPr>
+          <a:lstStyle/>
+          <a:p>
+            <a:pPr algn="ctr"/>
+            <a:r>
+              <a:rPr kumimoji="1" lang="ja-JP" altLang="en-US" sz="1400" dirty="0" smtClean="0"/>
+              <a:t>分割</a:t>
+            </a:r>
+            <a:endParaRPr kumimoji="1" lang="en-US" altLang="ja-JP" sz="1400" dirty="0" smtClean="0"/>
+          </a:p>
+          <a:p>
+            <a:pPr algn="ctr"/>
+            <a:r>
+              <a:rPr lang="ja-JP" altLang="en-US" sz="1400" dirty="0" smtClean="0"/>
+              <a:t>＆</a:t>
+            </a:r>
+            <a:endParaRPr lang="en-US" altLang="ja-JP" sz="1400" dirty="0" smtClean="0"/>
+          </a:p>
+          <a:p>
+            <a:pPr algn="ctr"/>
+            <a:r>
+              <a:rPr kumimoji="1" lang="ja-JP" altLang="en-US" sz="1400" dirty="0" smtClean="0"/>
+              <a:t>二値化</a:t>
+            </a:r>
+            <a:endParaRPr kumimoji="1" lang="ja-JP" altLang="en-US" sz="1400" dirty="0"/>
+          </a:p>
+        </p:txBody>
+      </p:sp>
+      <p:sp>
+        <p:nvSpPr>
+          <p:cNvPr id="43" name="右矢印 42"/>
+          <p:cNvSpPr/>
+          <p:nvPr/>
+        </p:nvSpPr>
+        <p:spPr>
+          <a:xfrm>
+            <a:off x="3878028" y="3405174"/>
+            <a:ext cx="798097" cy="460454"/>
+          </a:xfrm>
+          <a:prstGeom prst="rightArrow">
+            <a:avLst/>
+          </a:prstGeom>
+          <a:noFill/>
+          <a:ln w="28575" cmpd="sng">
+            <a:solidFill>
+              <a:schemeClr val="tx1"/>
+            </a:solidFill>
+          </a:ln>
+          <a:effectLst/>
+        </p:spPr>
+        <p:style>
+          <a:lnRef idx="1">
+            <a:schemeClr val="accent1"/>
+          </a:lnRef>
+          <a:fillRef idx="3">
+            <a:schemeClr val="accent1"/>
+          </a:fillRef>
+          <a:effectRef idx="2">
+            <a:schemeClr val="accent1"/>
+          </a:effectRef>
+          <a:fontRef idx="minor">
+            <a:schemeClr val="lt1"/>
+          </a:fontRef>
+        </p:style>
+        <p:txBody>
+          <a:bodyPr rtlCol="0" anchor="ctr"/>
+          <a:lstStyle/>
+          <a:p>
+            <a:pPr algn="ctr"/>
+            <a:endParaRPr kumimoji="1" lang="ja-JP" altLang="en-US" dirty="0"/>
+          </a:p>
+        </p:txBody>
+      </p:sp>
+      <p:sp>
+        <p:nvSpPr>
+          <p:cNvPr id="44" name="テキスト ボックス 43"/>
+          <p:cNvSpPr txBox="1"/>
+          <p:nvPr/>
+        </p:nvSpPr>
+        <p:spPr>
+          <a:xfrm>
+            <a:off x="3326003" y="2526121"/>
+            <a:ext cx="1853398" cy="738664"/>
+          </a:xfrm>
+          <a:prstGeom prst="rect">
+            <a:avLst/>
+          </a:prstGeom>
+          <a:noFill/>
+          <a:ln>
+            <a:noFill/>
+          </a:ln>
+        </p:spPr>
+        <p:txBody>
+          <a:bodyPr wrap="square" rtlCol="0">
+            <a:spAutoFit/>
+          </a:bodyPr>
+          <a:lstStyle/>
+          <a:p>
+            <a:pPr algn="ctr"/>
+            <a:r>
+              <a:rPr kumimoji="1" lang="ja-JP" altLang="en-US" sz="1400" dirty="0" smtClean="0"/>
+              <a:t>ラベリング処理</a:t>
+            </a:r>
+            <a:endParaRPr kumimoji="1" lang="en-US" altLang="ja-JP" sz="1400" dirty="0" smtClean="0"/>
+          </a:p>
+          <a:p>
+            <a:pPr algn="ctr"/>
+            <a:r>
+              <a:rPr lang="ja-JP" altLang="en-US" sz="1400" dirty="0" smtClean="0"/>
+              <a:t>＆</a:t>
+            </a:r>
+            <a:endParaRPr lang="en-US" altLang="ja-JP" sz="1400" dirty="0" smtClean="0"/>
+          </a:p>
+          <a:p>
+            <a:pPr algn="ctr"/>
+            <a:r>
+              <a:rPr kumimoji="1" lang="ja-JP" altLang="en-US" sz="1400" dirty="0" smtClean="0"/>
+              <a:t>面積計算</a:t>
+            </a:r>
+            <a:endParaRPr kumimoji="1" lang="ja-JP" altLang="en-US" sz="1400" dirty="0"/>
+          </a:p>
+        </p:txBody>
+      </p:sp>
+    </p:spTree>
+    <p:extLst>
+      <p:ext uri="{BB962C8B-B14F-4D97-AF65-F5344CB8AC3E}">
+        <p14:creationId xmlns:p14="http://schemas.microsoft.com/office/powerpoint/2010/main" val="1680641976"/>
+      </p:ext>
+    </p:extLst>
+  </p:cSld>
+  <p:clrMapOvr>
+    <a:masterClrMapping/>
+  </p:clrMapOvr>
+</p:sld>
+</file>
+
 <file path=ppt/theme/theme1.xml><?xml version="1.0" encoding="utf-8"?>
 <a:theme xmlns:a="http://schemas.openxmlformats.org/drawingml/2006/main" name="ホワイト">
   <a:themeElements>
@@ -8986,4 +10162,324 @@
   </a:objectDefaults>
   <a:extraClrSchemeLst/>
 </a:theme>
+</file>
+
+<file path=ppt/theme/theme2.xml><?xml version="1.0" encoding="utf-8"?>
+<a:theme xmlns:a="http://schemas.openxmlformats.org/drawingml/2006/main" name="ホワイト">
+  <a:themeElements>
+    <a:clrScheme name="Office">
+      <a:dk1>
+        <a:sysClr val="windowText" lastClr="000000"/>
+      </a:dk1>
+      <a:lt1>
+        <a:sysClr val="window" lastClr="FFFFFF"/>
+      </a:lt1>
+      <a:dk2>
+        <a:srgbClr val="1F497D"/>
+      </a:dk2>
+      <a:lt2>
+        <a:srgbClr val="EEECE1"/>
+      </a:lt2>
+      <a:accent1>
+        <a:srgbClr val="4F81BD"/>
+      </a:accent1>
+      <a:accent2>
+        <a:srgbClr val="C0504D"/>
+      </a:accent2>
+      <a:accent3>
+        <a:srgbClr val="9BBB59"/>
+      </a:accent3>
+      <a:accent4>
+        <a:srgbClr val="8064A2"/>
+      </a:accent4>
+      <a:accent5>
+        <a:srgbClr val="4BACC6"/>
+      </a:accent5>
+      <a:accent6>
+        <a:srgbClr val="F79646"/>
+      </a:accent6>
+      <a:hlink>
+        <a:srgbClr val="0000FF"/>
+      </a:hlink>
+      <a:folHlink>
+        <a:srgbClr val="800080"/>
+      </a:folHlink>
+    </a:clrScheme>
+    <a:fontScheme name="Office">
+      <a:majorFont>
+        <a:latin typeface="Calibri"/>
+        <a:ea typeface=""/>
+        <a:cs typeface=""/>
+        <a:font script="Jpan" typeface="ＭＳ Ｐゴシック"/>
+        <a:font script="Hang" typeface="맑은 고딕"/>
+        <a:font script="Hans" typeface="宋体"/>
+        <a:font script="Hant" typeface="新細明體"/>
+        <a:font script="Arab" typeface="Times New Roman"/>
+        <a:font script="Hebr" typeface="Times New Roman"/>
+        <a:font script="Thai" typeface="Angsana New"/>
+        <a:font script="Ethi" typeface="Nyala"/>
+        <a:font script="Beng" typeface="Vrinda"/>
+        <a:font script="Gujr" typeface="Shruti"/>
+        <a:font script="Khmr" typeface="MoolBoran"/>
+        <a:font script="Knda" typeface="Tunga"/>
+        <a:font script="Guru" typeface="Raavi"/>
+        <a:font script="Cans" typeface="Euphemia"/>
+        <a:font script="Cher" typeface="Plantagenet Cherokee"/>
+        <a:font script="Yiii" typeface="Microsoft Yi Baiti"/>
+        <a:font script="Tibt" typeface="Microsoft Himalaya"/>
+        <a:font script="Thaa" typeface="MV Boli"/>
+        <a:font script="Deva" typeface="Mangal"/>
+        <a:font script="Telu" typeface="Gautami"/>
+        <a:font script="Taml" typeface="Latha"/>
+        <a:font script="Syrc" typeface="Estrangelo Edessa"/>
+        <a:font script="Orya" typeface="Kalinga"/>
+        <a:font script="Mlym" typeface="Kartika"/>
+        <a:font script="Laoo" typeface="DokChampa"/>
+        <a:font script="Sinh" typeface="Iskoola Pota"/>
+        <a:font script="Mong" typeface="Mongolian Baiti"/>
+        <a:font script="Viet" typeface="Times New Roman"/>
+        <a:font script="Uigh" typeface="Microsoft Uighur"/>
+        <a:font script="Geor" typeface="Sylfaen"/>
+      </a:majorFont>
+      <a:minorFont>
+        <a:latin typeface="Calibri"/>
+        <a:ea typeface=""/>
+        <a:cs typeface=""/>
+        <a:font script="Jpan" typeface="ＭＳ Ｐゴシック"/>
+        <a:font script="Hang" typeface="맑은 고딕"/>
+        <a:font script="Hans" typeface="宋体"/>
+        <a:font script="Hant" typeface="新細明體"/>
+        <a:font script="Arab" typeface="Arial"/>
+        <a:font script="Hebr" typeface="Arial"/>
+        <a:font script="Thai" typeface="Cordia New"/>
+        <a:font script="Ethi" typeface="Nyala"/>
+        <a:font script="Beng" typeface="Vrinda"/>
+        <a:font script="Gujr" typeface="Shruti"/>
+        <a:font script="Khmr" typeface="DaunPenh"/>
+        <a:font script="Knda" typeface="Tunga"/>
+        <a:font script="Guru" typeface="Raavi"/>
+        <a:font script="Cans" typeface="Euphemia"/>
+        <a:font script="Cher" typeface="Plantagenet Cherokee"/>
+        <a:font script="Yiii" typeface="Microsoft Yi Baiti"/>
+        <a:font script="Tibt" typeface="Microsoft Himalaya"/>
+        <a:font script="Thaa" typeface="MV Boli"/>
+        <a:font script="Deva" typeface="Mangal"/>
+        <a:font script="Telu" typeface="Gautami"/>
+        <a:font script="Taml" typeface="Latha"/>
+        <a:font script="Syrc" typeface="Estrangelo Edessa"/>
+        <a:font script="Orya" typeface="Kalinga"/>
+        <a:font script="Mlym" typeface="Kartika"/>
+        <a:font script="Laoo" typeface="DokChampa"/>
+        <a:font script="Sinh" typeface="Iskoola Pota"/>
+        <a:font script="Mong" typeface="Mongolian Baiti"/>
+        <a:font script="Viet" typeface="Arial"/>
+        <a:font script="Uigh" typeface="Microsoft Uighur"/>
+        <a:font script="Geor" typeface="Sylfaen"/>
+      </a:minorFont>
+    </a:fontScheme>
+    <a:fmtScheme name="Office">
+      <a:fillStyleLst>
+        <a:solidFill>
+          <a:schemeClr val="phClr"/>
+        </a:solidFill>
+        <a:gradFill rotWithShape="1">
+          <a:gsLst>
+            <a:gs pos="0">
+              <a:schemeClr val="phClr">
+                <a:tint val="50000"/>
+                <a:satMod val="300000"/>
+              </a:schemeClr>
+            </a:gs>
+            <a:gs pos="35000">
+              <a:schemeClr val="phClr">
+                <a:tint val="37000"/>
+                <a:satMod val="300000"/>
+              </a:schemeClr>
+            </a:gs>
+            <a:gs pos="100000">
+              <a:schemeClr val="phClr">
+                <a:tint val="15000"/>
+                <a:satMod val="350000"/>
+              </a:schemeClr>
+            </a:gs>
+          </a:gsLst>
+          <a:lin ang="16200000" scaled="1"/>
+        </a:gradFill>
+        <a:gradFill rotWithShape="1">
+          <a:gsLst>
+            <a:gs pos="0">
+              <a:schemeClr val="phClr">
+                <a:tint val="100000"/>
+                <a:shade val="100000"/>
+                <a:satMod val="130000"/>
+              </a:schemeClr>
+            </a:gs>
+            <a:gs pos="100000">
+              <a:schemeClr val="phClr">
+                <a:tint val="50000"/>
+                <a:shade val="100000"/>
+                <a:satMod val="350000"/>
+              </a:schemeClr>
+            </a:gs>
+          </a:gsLst>
+          <a:lin ang="16200000" scaled="0"/>
+        </a:gradFill>
+      </a:fillStyleLst>
+      <a:lnStyleLst>
+        <a:ln w="9525" cap="flat" cmpd="sng" algn="ctr">
+          <a:solidFill>
+            <a:schemeClr val="phClr">
+              <a:shade val="95000"/>
+              <a:satMod val="105000"/>
+            </a:schemeClr>
+          </a:solidFill>
+          <a:prstDash val="solid"/>
+        </a:ln>
+        <a:ln w="25400" cap="flat" cmpd="sng" algn="ctr">
+          <a:solidFill>
+            <a:schemeClr val="phClr"/>
+          </a:solidFill>
+          <a:prstDash val="solid"/>
+        </a:ln>
+        <a:ln w="38100" cap="flat" cmpd="sng" algn="ctr">
+          <a:solidFill>
+            <a:schemeClr val="phClr"/>
+          </a:solidFill>
+          <a:prstDash val="solid"/>
+        </a:ln>
+      </a:lnStyleLst>
+      <a:effectStyleLst>
+        <a:effectStyle>
+          <a:effectLst>
+            <a:outerShdw blurRad="40000" dist="20000" dir="5400000" rotWithShape="0">
+              <a:srgbClr val="000000">
+                <a:alpha val="38000"/>
+              </a:srgbClr>
+            </a:outerShdw>
+          </a:effectLst>
+        </a:effectStyle>
+        <a:effectStyle>
+          <a:effectLst>
+            <a:outerShdw blurRad="40000" dist="23000" dir="5400000" rotWithShape="0">
+              <a:srgbClr val="000000">
+                <a:alpha val="35000"/>
+              </a:srgbClr>
+            </a:outerShdw>
+          </a:effectLst>
+        </a:effectStyle>
+        <a:effectStyle>
+          <a:effectLst>
+            <a:outerShdw blurRad="40000" dist="23000" dir="5400000" rotWithShape="0">
+              <a:srgbClr val="000000">
+                <a:alpha val="35000"/>
+              </a:srgbClr>
+            </a:outerShdw>
+          </a:effectLst>
+          <a:scene3d>
+            <a:camera prst="orthographicFront">
+              <a:rot lat="0" lon="0" rev="0"/>
+            </a:camera>
+            <a:lightRig rig="threePt" dir="t">
+              <a:rot lat="0" lon="0" rev="1200000"/>
+            </a:lightRig>
+          </a:scene3d>
+          <a:sp3d>
+            <a:bevelT w="63500" h="25400"/>
+          </a:sp3d>
+        </a:effectStyle>
+      </a:effectStyleLst>
+      <a:bgFillStyleLst>
+        <a:solidFill>
+          <a:schemeClr val="phClr"/>
+        </a:solidFill>
+        <a:gradFill rotWithShape="1">
+          <a:gsLst>
+            <a:gs pos="0">
+              <a:schemeClr val="phClr">
+                <a:tint val="40000"/>
+                <a:satMod val="350000"/>
+              </a:schemeClr>
+            </a:gs>
+            <a:gs pos="40000">
+              <a:schemeClr val="phClr">
+                <a:tint val="45000"/>
+                <a:shade val="99000"/>
+                <a:satMod val="350000"/>
+              </a:schemeClr>
+            </a:gs>
+            <a:gs pos="100000">
+              <a:schemeClr val="phClr">
+                <a:shade val="20000"/>
+                <a:satMod val="255000"/>
+              </a:schemeClr>
+            </a:gs>
+          </a:gsLst>
+          <a:path path="circle">
+            <a:fillToRect l="50000" t="-80000" r="50000" b="180000"/>
+          </a:path>
+        </a:gradFill>
+        <a:gradFill rotWithShape="1">
+          <a:gsLst>
+            <a:gs pos="0">
+              <a:schemeClr val="phClr">
+                <a:tint val="80000"/>
+                <a:satMod val="300000"/>
+              </a:schemeClr>
+            </a:gs>
+            <a:gs pos="100000">
+              <a:schemeClr val="phClr">
+                <a:shade val="30000"/>
+                <a:satMod val="200000"/>
+              </a:schemeClr>
+            </a:gs>
+          </a:gsLst>
+          <a:path path="circle">
+            <a:fillToRect l="50000" t="50000" r="50000" b="50000"/>
+          </a:path>
+        </a:gradFill>
+      </a:bgFillStyleLst>
+    </a:fmtScheme>
+  </a:themeElements>
+  <a:objectDefaults>
+    <a:spDef>
+      <a:spPr/>
+      <a:bodyPr/>
+      <a:lstStyle/>
+      <a:style>
+        <a:lnRef idx="1">
+          <a:schemeClr val="accent1"/>
+        </a:lnRef>
+        <a:fillRef idx="3">
+          <a:schemeClr val="accent1"/>
+        </a:fillRef>
+        <a:effectRef idx="2">
+          <a:schemeClr val="accent1"/>
+        </a:effectRef>
+        <a:fontRef idx="minor">
+          <a:schemeClr val="lt1"/>
+        </a:fontRef>
+      </a:style>
+    </a:spDef>
+    <a:lnDef>
+      <a:spPr/>
+      <a:bodyPr/>
+      <a:lstStyle/>
+      <a:style>
+        <a:lnRef idx="2">
+          <a:schemeClr val="accent1"/>
+        </a:lnRef>
+        <a:fillRef idx="0">
+          <a:schemeClr val="accent1"/>
+        </a:fillRef>
+        <a:effectRef idx="1">
+          <a:schemeClr val="accent1"/>
+        </a:effectRef>
+        <a:fontRef idx="minor">
+          <a:schemeClr val="tx1"/>
+        </a:fontRef>
+      </a:style>
+    </a:lnDef>
+  </a:objectDefaults>
+  <a:extraClrSchemeLst/>
+</a:theme>
 </file>
--- a/documents/AccademicMeating/draft/ 図形.pptx
+++ b/documents/AccademicMeating/draft/ 図形.pptx
@@ -196,7 +196,7 @@
           <a:p>
             <a:fld id="{4ABB9CDE-7A40-0449-964F-24626D91F1D2}" type="datetimeFigureOut">
               <a:rPr kumimoji="1" lang="ja-JP" altLang="en-US" smtClean="0"/>
-              <a:t>2013/12/20</a:t>
+              <a:t>2014/01/08</a:t>
             </a:fld>
             <a:endParaRPr kumimoji="1" lang="ja-JP" altLang="en-US"/>
           </a:p>
@@ -761,7 +761,7 @@
           <a:p>
             <a:fld id="{7A7E630B-B569-6947-8884-49FD9E3244B6}" type="datetimeFigureOut">
               <a:rPr kumimoji="1" lang="ja-JP" altLang="en-US" smtClean="0"/>
-              <a:t>2013/12/20</a:t>
+              <a:t>2014/01/08</a:t>
             </a:fld>
             <a:endParaRPr kumimoji="1" lang="ja-JP" altLang="en-US"/>
           </a:p>
@@ -963,7 +963,7 @@
           <a:p>
             <a:fld id="{7A7E630B-B569-6947-8884-49FD9E3244B6}" type="datetimeFigureOut">
               <a:rPr kumimoji="1" lang="ja-JP" altLang="en-US" smtClean="0"/>
-              <a:t>2013/12/20</a:t>
+              <a:t>2014/01/08</a:t>
             </a:fld>
             <a:endParaRPr kumimoji="1" lang="ja-JP" altLang="en-US"/>
           </a:p>
@@ -1175,7 +1175,7 @@
           <a:p>
             <a:fld id="{7A7E630B-B569-6947-8884-49FD9E3244B6}" type="datetimeFigureOut">
               <a:rPr kumimoji="1" lang="ja-JP" altLang="en-US" smtClean="0"/>
-              <a:t>2013/12/20</a:t>
+              <a:t>2014/01/08</a:t>
             </a:fld>
             <a:endParaRPr kumimoji="1" lang="ja-JP" altLang="en-US"/>
           </a:p>
@@ -1377,7 +1377,7 @@
           <a:p>
             <a:fld id="{7A7E630B-B569-6947-8884-49FD9E3244B6}" type="datetimeFigureOut">
               <a:rPr kumimoji="1" lang="ja-JP" altLang="en-US" smtClean="0"/>
-              <a:t>2013/12/20</a:t>
+              <a:t>2014/01/08</a:t>
             </a:fld>
             <a:endParaRPr kumimoji="1" lang="ja-JP" altLang="en-US"/>
           </a:p>
@@ -1623,7 +1623,7 @@
           <a:p>
             <a:fld id="{7A7E630B-B569-6947-8884-49FD9E3244B6}" type="datetimeFigureOut">
               <a:rPr kumimoji="1" lang="ja-JP" altLang="en-US" smtClean="0"/>
-              <a:t>2013/12/20</a:t>
+              <a:t>2014/01/08</a:t>
             </a:fld>
             <a:endParaRPr kumimoji="1" lang="ja-JP" altLang="en-US"/>
           </a:p>
@@ -1975,7 +1975,7 @@
           <a:p>
             <a:fld id="{7A7E630B-B569-6947-8884-49FD9E3244B6}" type="datetimeFigureOut">
               <a:rPr kumimoji="1" lang="ja-JP" altLang="en-US" smtClean="0"/>
-              <a:t>2013/12/20</a:t>
+              <a:t>2014/01/08</a:t>
             </a:fld>
             <a:endParaRPr kumimoji="1" lang="ja-JP" altLang="en-US"/>
           </a:p>
@@ -2461,7 +2461,7 @@
           <a:p>
             <a:fld id="{7A7E630B-B569-6947-8884-49FD9E3244B6}" type="datetimeFigureOut">
               <a:rPr kumimoji="1" lang="ja-JP" altLang="en-US" smtClean="0"/>
-              <a:t>2013/12/20</a:t>
+              <a:t>2014/01/08</a:t>
             </a:fld>
             <a:endParaRPr kumimoji="1" lang="ja-JP" altLang="en-US"/>
           </a:p>
@@ -2579,7 +2579,7 @@
           <a:p>
             <a:fld id="{7A7E630B-B569-6947-8884-49FD9E3244B6}" type="datetimeFigureOut">
               <a:rPr kumimoji="1" lang="ja-JP" altLang="en-US" smtClean="0"/>
-              <a:t>2013/12/20</a:t>
+              <a:t>2014/01/08</a:t>
             </a:fld>
             <a:endParaRPr kumimoji="1" lang="ja-JP" altLang="en-US"/>
           </a:p>
@@ -2674,7 +2674,7 @@
           <a:p>
             <a:fld id="{7A7E630B-B569-6947-8884-49FD9E3244B6}" type="datetimeFigureOut">
               <a:rPr kumimoji="1" lang="ja-JP" altLang="en-US" smtClean="0"/>
-              <a:t>2013/12/20</a:t>
+              <a:t>2014/01/08</a:t>
             </a:fld>
             <a:endParaRPr kumimoji="1" lang="ja-JP" altLang="en-US"/>
           </a:p>
@@ -2983,7 +2983,7 @@
           <a:p>
             <a:fld id="{7A7E630B-B569-6947-8884-49FD9E3244B6}" type="datetimeFigureOut">
               <a:rPr kumimoji="1" lang="ja-JP" altLang="en-US" smtClean="0"/>
-              <a:t>2013/12/20</a:t>
+              <a:t>2014/01/08</a:t>
             </a:fld>
             <a:endParaRPr kumimoji="1" lang="ja-JP" altLang="en-US"/>
           </a:p>
@@ -3236,7 +3236,7 @@
           <a:p>
             <a:fld id="{7A7E630B-B569-6947-8884-49FD9E3244B6}" type="datetimeFigureOut">
               <a:rPr kumimoji="1" lang="ja-JP" altLang="en-US" smtClean="0"/>
-              <a:t>2013/12/20</a:t>
+              <a:t>2014/01/08</a:t>
             </a:fld>
             <a:endParaRPr kumimoji="1" lang="ja-JP" altLang="en-US"/>
           </a:p>
@@ -3481,7 +3481,7 @@
           <a:p>
             <a:fld id="{7A7E630B-B569-6947-8884-49FD9E3244B6}" type="datetimeFigureOut">
               <a:rPr kumimoji="1" lang="ja-JP" altLang="en-US" smtClean="0"/>
-              <a:t>2013/12/20</a:t>
+              <a:t>2014/01/08</a:t>
             </a:fld>
             <a:endParaRPr kumimoji="1" lang="ja-JP" altLang="en-US"/>
           </a:p>
@@ -6788,9 +6788,9 @@
         <p:grpSpPr>
           <a:xfrm>
             <a:off x="927784" y="1810031"/>
-            <a:ext cx="7304117" cy="2604112"/>
+            <a:ext cx="6743508" cy="2604112"/>
             <a:chOff x="927784" y="1810031"/>
-            <a:chExt cx="7304117" cy="2604112"/>
+            <a:chExt cx="6743508" cy="2604112"/>
           </a:xfrm>
         </p:grpSpPr>
         <p:grpSp>
@@ -7356,7 +7356,7 @@
           </p:blipFill>
           <p:spPr>
             <a:xfrm>
-              <a:off x="5392949" y="1810031"/>
+              <a:off x="5141247" y="1810031"/>
               <a:ext cx="696788" cy="696788"/>
             </a:xfrm>
             <a:prstGeom prst="rect">
@@ -7372,7 +7372,7 @@
           </p:nvSpPr>
           <p:spPr>
             <a:xfrm>
-              <a:off x="4996556" y="2521487"/>
+              <a:off x="4744854" y="2521487"/>
               <a:ext cx="1441420" cy="307777"/>
             </a:xfrm>
             <a:prstGeom prst="rect">
@@ -7402,7 +7402,7 @@
           </p:nvCxnSpPr>
           <p:spPr>
             <a:xfrm>
-              <a:off x="5739988" y="2822574"/>
+              <a:off x="5488286" y="2822574"/>
               <a:ext cx="0" cy="363149"/>
             </a:xfrm>
             <a:prstGeom prst="straightConnector1">
@@ -7439,8 +7439,8 @@
           </p:nvSpPr>
           <p:spPr>
             <a:xfrm>
-              <a:off x="4744721" y="3221344"/>
-              <a:ext cx="2020092" cy="523220"/>
+              <a:off x="4832191" y="3221344"/>
+              <a:ext cx="1341746" cy="523220"/>
             </a:xfrm>
             <a:prstGeom prst="rect">
               <a:avLst/>
@@ -7460,24 +7460,16 @@
             <a:p>
               <a:pPr algn="ctr"/>
               <a:r>
-                <a:rPr kumimoji="1" lang="en-US" altLang="ja-JP" sz="1400" dirty="0" smtClean="0"/>
-                <a:t>PSNR</a:t>
+                <a:rPr lang="ja-JP" altLang="en-US" sz="1400" dirty="0" smtClean="0"/>
+                <a:t>誤り率</a:t>
               </a:r>
               <a:r>
-                <a:rPr kumimoji="1" lang="ja-JP" altLang="en-US" sz="1400" dirty="0" smtClean="0"/>
+                <a:rPr lang="ja-JP" altLang="en-US" sz="1400" dirty="0" smtClean="0"/>
                 <a:t>，</a:t>
               </a:r>
               <a:r>
-                <a:rPr kumimoji="1" lang="en-US" altLang="ja-JP" sz="1400" dirty="0" smtClean="0"/>
+                <a:rPr lang="en-US" altLang="ja-JP" sz="1400" dirty="0" smtClean="0"/>
                 <a:t>SSIM</a:t>
-              </a:r>
-              <a:r>
-                <a:rPr kumimoji="1" lang="ja-JP" altLang="en-US" sz="1400" dirty="0" smtClean="0"/>
-                <a:t>，</a:t>
-              </a:r>
-              <a:r>
-                <a:rPr lang="ja-JP" altLang="en-US" sz="1400" dirty="0" smtClean="0"/>
-                <a:t>誤り率</a:t>
               </a:r>
               <a:endParaRPr lang="en-US" altLang="ja-JP" sz="1400" dirty="0" smtClean="0"/>
             </a:p>
@@ -7499,7 +7491,7 @@
           </p:nvCxnSpPr>
           <p:spPr>
             <a:xfrm>
-              <a:off x="6852267" y="3477745"/>
+              <a:off x="6291658" y="3477745"/>
               <a:ext cx="393785" cy="0"/>
             </a:xfrm>
             <a:prstGeom prst="straightConnector1">
@@ -7536,8 +7528,8 @@
           </p:nvSpPr>
           <p:spPr>
             <a:xfrm>
-              <a:off x="7329278" y="2978589"/>
-              <a:ext cx="902623" cy="1027683"/>
+              <a:off x="6768669" y="3103794"/>
+              <a:ext cx="902623" cy="753732"/>
             </a:xfrm>
             <a:prstGeom prst="ellipse">
               <a:avLst/>
@@ -7587,8 +7579,8 @@
           </p:nvSpPr>
           <p:spPr>
             <a:xfrm>
-              <a:off x="7439403" y="3112805"/>
-              <a:ext cx="723275" cy="738664"/>
+              <a:off x="6878794" y="3206772"/>
+              <a:ext cx="723275" cy="523220"/>
             </a:xfrm>
             <a:prstGeom prst="rect">
               <a:avLst/>
@@ -7603,23 +7595,16 @@
             <a:p>
               <a:pPr algn="ctr"/>
               <a:r>
-                <a:rPr kumimoji="1" lang="en-US" altLang="ja-JP" sz="1400" dirty="0" smtClean="0"/>
-                <a:t>PSNR</a:t>
+                <a:rPr lang="ja-JP" altLang="en-US" sz="1400" dirty="0" smtClean="0"/>
+                <a:t>誤り率</a:t>
               </a:r>
-              <a:endParaRPr lang="en-US" altLang="ja-JP" sz="1400" dirty="0"/>
+              <a:endParaRPr lang="en-US" altLang="ja-JP" sz="1400" dirty="0" smtClean="0"/>
             </a:p>
             <a:p>
               <a:pPr algn="ctr"/>
               <a:r>
                 <a:rPr kumimoji="1" lang="en-US" altLang="ja-JP" sz="1400" dirty="0" smtClean="0"/>
                 <a:t>SSIM</a:t>
-              </a:r>
-            </a:p>
-            <a:p>
-              <a:pPr algn="ctr"/>
-              <a:r>
-                <a:rPr lang="ja-JP" altLang="en-US" sz="1400" dirty="0" smtClean="0"/>
-                <a:t>誤り率</a:t>
               </a:r>
               <a:endParaRPr kumimoji="1" lang="ja-JP" altLang="en-US" sz="1400" dirty="0"/>
             </a:p>
